--- a/Презентация.pptx
+++ b/Презентация.pptx
@@ -8,9 +8,13 @@
     <p:sldId id="256" r:id="rId2"/>
     <p:sldId id="258" r:id="rId3"/>
     <p:sldId id="260" r:id="rId4"/>
-    <p:sldId id="261" r:id="rId5"/>
-    <p:sldId id="259" r:id="rId6"/>
-    <p:sldId id="264" r:id="rId7"/>
+    <p:sldId id="266" r:id="rId5"/>
+    <p:sldId id="267" r:id="rId6"/>
+    <p:sldId id="268" r:id="rId7"/>
+    <p:sldId id="269" r:id="rId8"/>
+    <p:sldId id="261" r:id="rId9"/>
+    <p:sldId id="259" r:id="rId10"/>
+    <p:sldId id="264" r:id="rId11"/>
   </p:sldIdLst>
   <p:sldSz cx="12192000" cy="6858000"/>
   <p:notesSz cx="6858000" cy="9144000"/>
@@ -300,7 +304,7 @@
           <a:p>
             <a:fld id="{4E0F81A8-8717-4D7E-B2E3-FDE21CA75E4C}" type="datetimeFigureOut">
               <a:rPr lang="ru-RU" smtClean="0"/>
-              <a:t>20.04.2022</a:t>
+              <a:t>27.04.2022</a:t>
             </a:fld>
             <a:endParaRPr lang="ru-RU"/>
           </a:p>
@@ -498,7 +502,7 @@
           <a:p>
             <a:fld id="{4E0F81A8-8717-4D7E-B2E3-FDE21CA75E4C}" type="datetimeFigureOut">
               <a:rPr lang="ru-RU" smtClean="0"/>
-              <a:t>20.04.2022</a:t>
+              <a:t>27.04.2022</a:t>
             </a:fld>
             <a:endParaRPr lang="ru-RU"/>
           </a:p>
@@ -706,7 +710,7 @@
           <a:p>
             <a:fld id="{4E0F81A8-8717-4D7E-B2E3-FDE21CA75E4C}" type="datetimeFigureOut">
               <a:rPr lang="ru-RU" smtClean="0"/>
-              <a:t>20.04.2022</a:t>
+              <a:t>27.04.2022</a:t>
             </a:fld>
             <a:endParaRPr lang="ru-RU"/>
           </a:p>
@@ -904,7 +908,7 @@
           <a:p>
             <a:fld id="{4E0F81A8-8717-4D7E-B2E3-FDE21CA75E4C}" type="datetimeFigureOut">
               <a:rPr lang="ru-RU" smtClean="0"/>
-              <a:t>20.04.2022</a:t>
+              <a:t>27.04.2022</a:t>
             </a:fld>
             <a:endParaRPr lang="ru-RU"/>
           </a:p>
@@ -1179,7 +1183,7 @@
           <a:p>
             <a:fld id="{4E0F81A8-8717-4D7E-B2E3-FDE21CA75E4C}" type="datetimeFigureOut">
               <a:rPr lang="ru-RU" smtClean="0"/>
-              <a:t>20.04.2022</a:t>
+              <a:t>27.04.2022</a:t>
             </a:fld>
             <a:endParaRPr lang="ru-RU"/>
           </a:p>
@@ -1444,7 +1448,7 @@
           <a:p>
             <a:fld id="{4E0F81A8-8717-4D7E-B2E3-FDE21CA75E4C}" type="datetimeFigureOut">
               <a:rPr lang="ru-RU" smtClean="0"/>
-              <a:t>20.04.2022</a:t>
+              <a:t>27.04.2022</a:t>
             </a:fld>
             <a:endParaRPr lang="ru-RU"/>
           </a:p>
@@ -1856,7 +1860,7 @@
           <a:p>
             <a:fld id="{4E0F81A8-8717-4D7E-B2E3-FDE21CA75E4C}" type="datetimeFigureOut">
               <a:rPr lang="ru-RU" smtClean="0"/>
-              <a:t>20.04.2022</a:t>
+              <a:t>27.04.2022</a:t>
             </a:fld>
             <a:endParaRPr lang="ru-RU"/>
           </a:p>
@@ -1997,7 +2001,7 @@
           <a:p>
             <a:fld id="{4E0F81A8-8717-4D7E-B2E3-FDE21CA75E4C}" type="datetimeFigureOut">
               <a:rPr lang="ru-RU" smtClean="0"/>
-              <a:t>20.04.2022</a:t>
+              <a:t>27.04.2022</a:t>
             </a:fld>
             <a:endParaRPr lang="ru-RU"/>
           </a:p>
@@ -2110,7 +2114,7 @@
           <a:p>
             <a:fld id="{4E0F81A8-8717-4D7E-B2E3-FDE21CA75E4C}" type="datetimeFigureOut">
               <a:rPr lang="ru-RU" smtClean="0"/>
-              <a:t>20.04.2022</a:t>
+              <a:t>27.04.2022</a:t>
             </a:fld>
             <a:endParaRPr lang="ru-RU"/>
           </a:p>
@@ -2421,7 +2425,7 @@
           <a:p>
             <a:fld id="{4E0F81A8-8717-4D7E-B2E3-FDE21CA75E4C}" type="datetimeFigureOut">
               <a:rPr lang="ru-RU" smtClean="0"/>
-              <a:t>20.04.2022</a:t>
+              <a:t>27.04.2022</a:t>
             </a:fld>
             <a:endParaRPr lang="ru-RU"/>
           </a:p>
@@ -2709,7 +2713,7 @@
           <a:p>
             <a:fld id="{4E0F81A8-8717-4D7E-B2E3-FDE21CA75E4C}" type="datetimeFigureOut">
               <a:rPr lang="ru-RU" smtClean="0"/>
-              <a:t>20.04.2022</a:t>
+              <a:t>27.04.2022</a:t>
             </a:fld>
             <a:endParaRPr lang="ru-RU"/>
           </a:p>
@@ -2986,7 +2990,7 @@
           <a:p>
             <a:fld id="{4E0F81A8-8717-4D7E-B2E3-FDE21CA75E4C}" type="datetimeFigureOut">
               <a:rPr lang="ru-RU" smtClean="0"/>
-              <a:t>20.04.2022</a:t>
+              <a:t>27.04.2022</a:t>
             </a:fld>
             <a:endParaRPr lang="ru-RU"/>
           </a:p>
@@ -3772,6 +3776,79 @@
 </p:sld>
 </file>
 
+<file path=ppt/slides/slide10.xml><?xml version="1.0" encoding="utf-8"?>
+<p:sld xmlns:a="http://schemas.openxmlformats.org/drawingml/2006/main" xmlns:r="http://schemas.openxmlformats.org/officeDocument/2006/relationships" xmlns:p="http://schemas.openxmlformats.org/presentationml/2006/main">
+  <p:cSld>
+    <p:spTree>
+      <p:nvGrpSpPr>
+        <p:cNvPr id="1" name=""/>
+        <p:cNvGrpSpPr/>
+        <p:nvPr/>
+      </p:nvGrpSpPr>
+      <p:grpSpPr>
+        <a:xfrm>
+          <a:off x="0" y="0"/>
+          <a:ext cx="0" cy="0"/>
+          <a:chOff x="0" y="0"/>
+          <a:chExt cx="0" cy="0"/>
+        </a:xfrm>
+      </p:grpSpPr>
+      <p:sp>
+        <p:nvSpPr>
+          <p:cNvPr id="2" name="Заголовок 1">
+            <a:extLst>
+              <a:ext uri="{FF2B5EF4-FFF2-40B4-BE49-F238E27FC236}">
+                <a16:creationId xmlns:a16="http://schemas.microsoft.com/office/drawing/2014/main" id="{88ED6846-BBC9-44A5-AD14-26AB49C78110}"/>
+              </a:ext>
+            </a:extLst>
+          </p:cNvPr>
+          <p:cNvSpPr>
+            <a:spLocks noGrp="1"/>
+          </p:cNvSpPr>
+          <p:nvPr>
+            <p:ph type="ctrTitle"/>
+          </p:nvPr>
+        </p:nvSpPr>
+        <p:spPr>
+          <a:xfrm>
+            <a:off x="669235" y="1652450"/>
+            <a:ext cx="10853530" cy="2387600"/>
+          </a:xfrm>
+        </p:spPr>
+        <p:txBody>
+          <a:bodyPr/>
+          <a:lstStyle/>
+          <a:p>
+            <a:r>
+              <a:rPr lang="ru-RU" sz="8000" dirty="0">
+                <a:solidFill>
+                  <a:srgbClr val="002060"/>
+                </a:solidFill>
+                <a:latin typeface="Brush Script MT" panose="03060802040406070304" pitchFamily="66" charset="0"/>
+              </a:rPr>
+              <a:t>Спасибо за внимание!</a:t>
+            </a:r>
+            <a:endParaRPr lang="ru-RU" sz="8000" dirty="0">
+              <a:solidFill>
+                <a:srgbClr val="002060"/>
+              </a:solidFill>
+            </a:endParaRPr>
+          </a:p>
+        </p:txBody>
+      </p:sp>
+    </p:spTree>
+    <p:extLst>
+      <p:ext uri="{BB962C8B-B14F-4D97-AF65-F5344CB8AC3E}">
+        <p14:creationId xmlns:p14="http://schemas.microsoft.com/office/powerpoint/2010/main" val="2351988604"/>
+      </p:ext>
+    </p:extLst>
+  </p:cSld>
+  <p:clrMapOvr>
+    <a:masterClrMapping/>
+  </p:clrMapOvr>
+</p:sld>
+</file>
+
 <file path=ppt/slides/slide2.xml><?xml version="1.0" encoding="utf-8"?>
 <p:sld xmlns:a="http://schemas.openxmlformats.org/drawingml/2006/main" xmlns:r="http://schemas.openxmlformats.org/officeDocument/2006/relationships" xmlns:p="http://schemas.openxmlformats.org/presentationml/2006/main">
   <p:cSld>
@@ -3843,10 +3920,768 @@
           </a:p>
         </p:txBody>
       </p:sp>
+      <p:pic>
+        <p:nvPicPr>
+          <p:cNvPr id="1026" name="Picture 2">
+            <a:extLst>
+              <a:ext uri="{FF2B5EF4-FFF2-40B4-BE49-F238E27FC236}">
+                <a16:creationId xmlns:a16="http://schemas.microsoft.com/office/drawing/2014/main" id="{79BD5AF3-7E04-4A78-8B9B-8E22C835E0F3}"/>
+              </a:ext>
+            </a:extLst>
+          </p:cNvPr>
+          <p:cNvPicPr>
+            <a:picLocks noChangeAspect="1" noChangeArrowheads="1"/>
+          </p:cNvPicPr>
+          <p:nvPr/>
+        </p:nvPicPr>
+        <p:blipFill>
+          <a:blip r:embed="rId3">
+            <a:extLst>
+              <a:ext uri="{28A0092B-C50C-407E-A947-70E740481C1C}">
+                <a14:useLocalDpi xmlns:a14="http://schemas.microsoft.com/office/drawing/2010/main" val="0"/>
+              </a:ext>
+            </a:extLst>
+          </a:blip>
+          <a:srcRect/>
+          <a:stretch>
+            <a:fillRect/>
+          </a:stretch>
+        </p:blipFill>
+        <p:spPr bwMode="auto">
+          <a:xfrm>
+            <a:off x="2970214" y="2486388"/>
+            <a:ext cx="2516188" cy="3234137"/>
+          </a:xfrm>
+          <a:prstGeom prst="rect">
+            <a:avLst/>
+          </a:prstGeom>
+          <a:noFill/>
+          <a:extLst>
+            <a:ext uri="{909E8E84-426E-40DD-AFC4-6F175D3DCCD1}">
+              <a14:hiddenFill xmlns:a14="http://schemas.microsoft.com/office/drawing/2010/main">
+                <a:solidFill>
+                  <a:srgbClr val="FFFFFF"/>
+                </a:solidFill>
+              </a14:hiddenFill>
+            </a:ext>
+          </a:extLst>
+        </p:spPr>
+      </p:pic>
+      <p:pic>
+        <p:nvPicPr>
+          <p:cNvPr id="1028" name="Picture 4">
+            <a:extLst>
+              <a:ext uri="{FF2B5EF4-FFF2-40B4-BE49-F238E27FC236}">
+                <a16:creationId xmlns:a16="http://schemas.microsoft.com/office/drawing/2014/main" id="{D581A872-5C4B-4CC5-B6E7-129C6AB8128B}"/>
+              </a:ext>
+            </a:extLst>
+          </p:cNvPr>
+          <p:cNvPicPr>
+            <a:picLocks noChangeAspect="1" noChangeArrowheads="1"/>
+          </p:cNvPicPr>
+          <p:nvPr/>
+        </p:nvPicPr>
+        <p:blipFill>
+          <a:blip r:embed="rId4">
+            <a:extLst>
+              <a:ext uri="{28A0092B-C50C-407E-A947-70E740481C1C}">
+                <a14:useLocalDpi xmlns:a14="http://schemas.microsoft.com/office/drawing/2010/main" val="0"/>
+              </a:ext>
+            </a:extLst>
+          </a:blip>
+          <a:srcRect/>
+          <a:stretch>
+            <a:fillRect/>
+          </a:stretch>
+        </p:blipFill>
+        <p:spPr bwMode="auto">
+          <a:xfrm>
+            <a:off x="5035826" y="2060965"/>
+            <a:ext cx="7262191" cy="4084982"/>
+          </a:xfrm>
+          <a:prstGeom prst="rect">
+            <a:avLst/>
+          </a:prstGeom>
+          <a:noFill/>
+          <a:extLst>
+            <a:ext uri="{909E8E84-426E-40DD-AFC4-6F175D3DCCD1}">
+              <a14:hiddenFill xmlns:a14="http://schemas.microsoft.com/office/drawing/2010/main">
+                <a:solidFill>
+                  <a:srgbClr val="FFFFFF"/>
+                </a:solidFill>
+              </a14:hiddenFill>
+            </a:ext>
+          </a:extLst>
+        </p:spPr>
+      </p:pic>
     </p:spTree>
     <p:extLst>
       <p:ext uri="{BB962C8B-B14F-4D97-AF65-F5344CB8AC3E}">
         <p14:creationId xmlns:p14="http://schemas.microsoft.com/office/powerpoint/2010/main" val="3519849113"/>
+      </p:ext>
+    </p:extLst>
+  </p:cSld>
+  <p:clrMapOvr>
+    <a:masterClrMapping/>
+  </p:clrMapOvr>
+  <mc:AlternateContent xmlns:mc="http://schemas.openxmlformats.org/markup-compatibility/2006" xmlns:p15="http://schemas.microsoft.com/office/powerpoint/2012/main">
+    <mc:Choice Requires="p15">
+      <p:transition xmlns:p14="http://schemas.microsoft.com/office/powerpoint/2010/main" spd="slow" p14:dur="2000">
+        <p15:prstTrans prst="drape"/>
+        <p:sndAc>
+          <p:stSnd>
+            <p:snd r:embed="rId2" name="arrow.wav"/>
+          </p:stSnd>
+        </p:sndAc>
+      </p:transition>
+    </mc:Choice>
+    <mc:Fallback xmlns="">
+      <p:transition spd="slow">
+        <p:fade/>
+        <p:sndAc>
+          <p:stSnd>
+            <p:snd r:embed="rId5" name="arrow.wav"/>
+          </p:stSnd>
+        </p:sndAc>
+      </p:transition>
+    </mc:Fallback>
+  </mc:AlternateContent>
+</p:sld>
+</file>
+
+<file path=ppt/slides/slide3.xml><?xml version="1.0" encoding="utf-8"?>
+<p:sld xmlns:a="http://schemas.openxmlformats.org/drawingml/2006/main" xmlns:r="http://schemas.openxmlformats.org/officeDocument/2006/relationships" xmlns:p="http://schemas.openxmlformats.org/presentationml/2006/main">
+  <p:cSld>
+    <p:spTree>
+      <p:nvGrpSpPr>
+        <p:cNvPr id="1" name=""/>
+        <p:cNvGrpSpPr/>
+        <p:nvPr/>
+      </p:nvGrpSpPr>
+      <p:grpSpPr>
+        <a:xfrm>
+          <a:off x="0" y="0"/>
+          <a:ext cx="0" cy="0"/>
+          <a:chOff x="0" y="0"/>
+          <a:chExt cx="0" cy="0"/>
+        </a:xfrm>
+      </p:grpSpPr>
+      <p:sp>
+        <p:nvSpPr>
+          <p:cNvPr id="5" name="Заголовок 1">
+            <a:extLst>
+              <a:ext uri="{FF2B5EF4-FFF2-40B4-BE49-F238E27FC236}">
+                <a16:creationId xmlns:a16="http://schemas.microsoft.com/office/drawing/2014/main" id="{BEF283AE-CF7B-4BB6-AF64-13B560335867}"/>
+              </a:ext>
+            </a:extLst>
+          </p:cNvPr>
+          <p:cNvSpPr>
+            <a:spLocks noGrp="1"/>
+          </p:cNvSpPr>
+          <p:nvPr>
+            <p:ph type="title"/>
+          </p:nvPr>
+        </p:nvSpPr>
+        <p:spPr>
+          <a:xfrm>
+            <a:off x="1656521" y="974725"/>
+            <a:ext cx="9395792" cy="1251641"/>
+          </a:xfrm>
+        </p:spPr>
+        <p:txBody>
+          <a:bodyPr>
+            <a:noAutofit/>
+          </a:bodyPr>
+          <a:lstStyle/>
+          <a:p>
+            <a:pPr algn="ctr"/>
+            <a:r>
+              <a:rPr lang="ru-RU" sz="5400" b="1" dirty="0">
+                <a:ln w="13462">
+                  <a:solidFill>
+                    <a:schemeClr val="bg1"/>
+                  </a:solidFill>
+                  <a:prstDash val="solid"/>
+                </a:ln>
+                <a:solidFill>
+                  <a:schemeClr val="accent1">
+                    <a:lumMod val="50000"/>
+                  </a:schemeClr>
+                </a:solidFill>
+                <a:effectLst>
+                  <a:outerShdw dist="38100" dir="2700000" algn="bl" rotWithShape="0">
+                    <a:schemeClr val="accent5"/>
+                  </a:outerShdw>
+                </a:effectLst>
+                <a:latin typeface="Segoe Print" panose="02000600000000000000" pitchFamily="2" charset="0"/>
+              </a:rPr>
+              <a:t>Ход работы</a:t>
+            </a:r>
+          </a:p>
+        </p:txBody>
+      </p:sp>
+      <p:pic>
+        <p:nvPicPr>
+          <p:cNvPr id="3" name="Рисунок 2">
+            <a:extLst>
+              <a:ext uri="{FF2B5EF4-FFF2-40B4-BE49-F238E27FC236}">
+                <a16:creationId xmlns:a16="http://schemas.microsoft.com/office/drawing/2014/main" id="{387C769F-A6BF-433A-BF3C-CE99B3A1CC19}"/>
+              </a:ext>
+            </a:extLst>
+          </p:cNvPr>
+          <p:cNvPicPr>
+            <a:picLocks noChangeAspect="1"/>
+          </p:cNvPicPr>
+          <p:nvPr/>
+        </p:nvPicPr>
+        <p:blipFill>
+          <a:blip r:embed="rId3">
+            <a:extLst>
+              <a:ext uri="{28A0092B-C50C-407E-A947-70E740481C1C}">
+                <a14:useLocalDpi xmlns:a14="http://schemas.microsoft.com/office/drawing/2010/main" val="0"/>
+              </a:ext>
+            </a:extLst>
+          </a:blip>
+          <a:stretch>
+            <a:fillRect/>
+          </a:stretch>
+        </p:blipFill>
+        <p:spPr>
+          <a:xfrm>
+            <a:off x="777116" y="2183751"/>
+            <a:ext cx="2961444" cy="1974296"/>
+          </a:xfrm>
+          <a:prstGeom prst="rect">
+            <a:avLst/>
+          </a:prstGeom>
+        </p:spPr>
+      </p:pic>
+      <p:pic>
+        <p:nvPicPr>
+          <p:cNvPr id="8" name="Рисунок 7">
+            <a:extLst>
+              <a:ext uri="{FF2B5EF4-FFF2-40B4-BE49-F238E27FC236}">
+                <a16:creationId xmlns:a16="http://schemas.microsoft.com/office/drawing/2014/main" id="{E8AE8BC3-9B43-49F1-9EB3-D0A498CB30BD}"/>
+              </a:ext>
+            </a:extLst>
+          </p:cNvPr>
+          <p:cNvPicPr>
+            <a:picLocks noChangeAspect="1"/>
+          </p:cNvPicPr>
+          <p:nvPr/>
+        </p:nvPicPr>
+        <p:blipFill>
+          <a:blip r:embed="rId4">
+            <a:extLst>
+              <a:ext uri="{28A0092B-C50C-407E-A947-70E740481C1C}">
+                <a14:useLocalDpi xmlns:a14="http://schemas.microsoft.com/office/drawing/2010/main" val="0"/>
+              </a:ext>
+            </a:extLst>
+          </a:blip>
+          <a:stretch>
+            <a:fillRect/>
+          </a:stretch>
+        </p:blipFill>
+        <p:spPr>
+          <a:xfrm>
+            <a:off x="4776067" y="3429000"/>
+            <a:ext cx="2302565" cy="2302565"/>
+          </a:xfrm>
+          <a:prstGeom prst="rect">
+            <a:avLst/>
+          </a:prstGeom>
+        </p:spPr>
+      </p:pic>
+      <p:pic>
+        <p:nvPicPr>
+          <p:cNvPr id="10" name="Рисунок 9">
+            <a:extLst>
+              <a:ext uri="{FF2B5EF4-FFF2-40B4-BE49-F238E27FC236}">
+                <a16:creationId xmlns:a16="http://schemas.microsoft.com/office/drawing/2014/main" id="{E70F278D-408F-4315-B0EA-928072E4A9C7}"/>
+              </a:ext>
+            </a:extLst>
+          </p:cNvPr>
+          <p:cNvPicPr>
+            <a:picLocks noChangeAspect="1"/>
+          </p:cNvPicPr>
+          <p:nvPr/>
+        </p:nvPicPr>
+        <p:blipFill>
+          <a:blip r:embed="rId5">
+            <a:extLst>
+              <a:ext uri="{28A0092B-C50C-407E-A947-70E740481C1C}">
+                <a14:useLocalDpi xmlns:a14="http://schemas.microsoft.com/office/drawing/2010/main" val="0"/>
+              </a:ext>
+            </a:extLst>
+          </a:blip>
+          <a:stretch>
+            <a:fillRect/>
+          </a:stretch>
+        </p:blipFill>
+        <p:spPr>
+          <a:xfrm>
+            <a:off x="8235410" y="2120803"/>
+            <a:ext cx="2575961" cy="2651539"/>
+          </a:xfrm>
+          <a:prstGeom prst="rect">
+            <a:avLst/>
+          </a:prstGeom>
+        </p:spPr>
+      </p:pic>
+    </p:spTree>
+    <p:extLst>
+      <p:ext uri="{BB962C8B-B14F-4D97-AF65-F5344CB8AC3E}">
+        <p14:creationId xmlns:p14="http://schemas.microsoft.com/office/powerpoint/2010/main" val="1606849359"/>
+      </p:ext>
+    </p:extLst>
+  </p:cSld>
+  <p:clrMapOvr>
+    <a:masterClrMapping/>
+  </p:clrMapOvr>
+  <mc:AlternateContent xmlns:mc="http://schemas.openxmlformats.org/markup-compatibility/2006" xmlns:p15="http://schemas.microsoft.com/office/powerpoint/2012/main">
+    <mc:Choice Requires="p15">
+      <p:transition xmlns:p14="http://schemas.microsoft.com/office/powerpoint/2010/main" spd="slow" p14:dur="2000">
+        <p15:prstTrans prst="drape"/>
+        <p:sndAc>
+          <p:stSnd>
+            <p:snd r:embed="rId2" name="arrow.wav"/>
+          </p:stSnd>
+        </p:sndAc>
+      </p:transition>
+    </mc:Choice>
+    <mc:Fallback xmlns="">
+      <p:transition spd="slow">
+        <p:fade/>
+        <p:sndAc>
+          <p:stSnd>
+            <p:snd r:embed="rId6" name="arrow.wav"/>
+          </p:stSnd>
+        </p:sndAc>
+      </p:transition>
+    </mc:Fallback>
+  </mc:AlternateContent>
+</p:sld>
+</file>
+
+<file path=ppt/slides/slide4.xml><?xml version="1.0" encoding="utf-8"?>
+<p:sld xmlns:a="http://schemas.openxmlformats.org/drawingml/2006/main" xmlns:r="http://schemas.openxmlformats.org/officeDocument/2006/relationships" xmlns:p="http://schemas.openxmlformats.org/presentationml/2006/main">
+  <p:cSld>
+    <p:spTree>
+      <p:nvGrpSpPr>
+        <p:cNvPr id="1" name=""/>
+        <p:cNvGrpSpPr/>
+        <p:nvPr/>
+      </p:nvGrpSpPr>
+      <p:grpSpPr>
+        <a:xfrm>
+          <a:off x="0" y="0"/>
+          <a:ext cx="0" cy="0"/>
+          <a:chOff x="0" y="0"/>
+          <a:chExt cx="0" cy="0"/>
+        </a:xfrm>
+      </p:grpSpPr>
+      <p:sp>
+        <p:nvSpPr>
+          <p:cNvPr id="5" name="Заголовок 1">
+            <a:extLst>
+              <a:ext uri="{FF2B5EF4-FFF2-40B4-BE49-F238E27FC236}">
+                <a16:creationId xmlns:a16="http://schemas.microsoft.com/office/drawing/2014/main" id="{BEF283AE-CF7B-4BB6-AF64-13B560335867}"/>
+              </a:ext>
+            </a:extLst>
+          </p:cNvPr>
+          <p:cNvSpPr>
+            <a:spLocks noGrp="1"/>
+          </p:cNvSpPr>
+          <p:nvPr>
+            <p:ph type="title"/>
+          </p:nvPr>
+        </p:nvSpPr>
+        <p:spPr>
+          <a:xfrm>
+            <a:off x="1656521" y="974725"/>
+            <a:ext cx="9395792" cy="1251641"/>
+          </a:xfrm>
+        </p:spPr>
+        <p:txBody>
+          <a:bodyPr>
+            <a:noAutofit/>
+          </a:bodyPr>
+          <a:lstStyle/>
+          <a:p>
+            <a:pPr algn="ctr"/>
+            <a:r>
+              <a:rPr lang="ru-RU" sz="5400" b="1" dirty="0">
+                <a:ln w="13462">
+                  <a:solidFill>
+                    <a:schemeClr val="bg1"/>
+                  </a:solidFill>
+                  <a:prstDash val="solid"/>
+                </a:ln>
+                <a:solidFill>
+                  <a:schemeClr val="accent1">
+                    <a:lumMod val="50000"/>
+                  </a:schemeClr>
+                </a:solidFill>
+                <a:effectLst>
+                  <a:outerShdw dist="38100" dir="2700000" algn="bl" rotWithShape="0">
+                    <a:schemeClr val="accent5"/>
+                  </a:outerShdw>
+                </a:effectLst>
+                <a:latin typeface="Segoe Print" panose="02000600000000000000" pitchFamily="2" charset="0"/>
+              </a:rPr>
+              <a:t>Логотип и слоган</a:t>
+            </a:r>
+          </a:p>
+        </p:txBody>
+      </p:sp>
+      <p:pic>
+        <p:nvPicPr>
+          <p:cNvPr id="7" name="Рисунок 6">
+            <a:extLst>
+              <a:ext uri="{FF2B5EF4-FFF2-40B4-BE49-F238E27FC236}">
+                <a16:creationId xmlns:a16="http://schemas.microsoft.com/office/drawing/2014/main" id="{E3FE7937-76D0-4A9F-B9AF-D25FE36039EE}"/>
+              </a:ext>
+            </a:extLst>
+          </p:cNvPr>
+          <p:cNvPicPr>
+            <a:picLocks noChangeAspect="1"/>
+          </p:cNvPicPr>
+          <p:nvPr/>
+        </p:nvPicPr>
+        <p:blipFill>
+          <a:blip r:embed="rId3">
+            <a:extLst>
+              <a:ext uri="{28A0092B-C50C-407E-A947-70E740481C1C}">
+                <a14:useLocalDpi xmlns:a14="http://schemas.microsoft.com/office/drawing/2010/main" val="0"/>
+              </a:ext>
+            </a:extLst>
+          </a:blip>
+          <a:stretch>
+            <a:fillRect/>
+          </a:stretch>
+        </p:blipFill>
+        <p:spPr>
+          <a:xfrm>
+            <a:off x="5037747" y="2557670"/>
+            <a:ext cx="2116506" cy="2178603"/>
+          </a:xfrm>
+          <a:prstGeom prst="rect">
+            <a:avLst/>
+          </a:prstGeom>
+        </p:spPr>
+      </p:pic>
+      <p:pic>
+        <p:nvPicPr>
+          <p:cNvPr id="11" name="Рисунок 10">
+            <a:extLst>
+              <a:ext uri="{FF2B5EF4-FFF2-40B4-BE49-F238E27FC236}">
+                <a16:creationId xmlns:a16="http://schemas.microsoft.com/office/drawing/2014/main" id="{9BEE36B5-BB2D-4E15-88AB-A18D7DB4F3EE}"/>
+              </a:ext>
+            </a:extLst>
+          </p:cNvPr>
+          <p:cNvPicPr>
+            <a:picLocks noChangeAspect="1"/>
+          </p:cNvPicPr>
+          <p:nvPr/>
+        </p:nvPicPr>
+        <p:blipFill>
+          <a:blip r:embed="rId4">
+            <a:extLst>
+              <a:ext uri="{28A0092B-C50C-407E-A947-70E740481C1C}">
+                <a14:useLocalDpi xmlns:a14="http://schemas.microsoft.com/office/drawing/2010/main" val="0"/>
+              </a:ext>
+            </a:extLst>
+          </a:blip>
+          <a:stretch>
+            <a:fillRect/>
+          </a:stretch>
+        </p:blipFill>
+        <p:spPr>
+          <a:xfrm>
+            <a:off x="703110" y="2557670"/>
+            <a:ext cx="2116505" cy="2178603"/>
+          </a:xfrm>
+          <a:prstGeom prst="rect">
+            <a:avLst/>
+          </a:prstGeom>
+        </p:spPr>
+      </p:pic>
+      <p:pic>
+        <p:nvPicPr>
+          <p:cNvPr id="14" name="Рисунок 13">
+            <a:extLst>
+              <a:ext uri="{FF2B5EF4-FFF2-40B4-BE49-F238E27FC236}">
+                <a16:creationId xmlns:a16="http://schemas.microsoft.com/office/drawing/2014/main" id="{894B0CE2-D566-4B30-8B11-7DA088A54A16}"/>
+              </a:ext>
+            </a:extLst>
+          </p:cNvPr>
+          <p:cNvPicPr>
+            <a:picLocks noChangeAspect="1"/>
+          </p:cNvPicPr>
+          <p:nvPr/>
+        </p:nvPicPr>
+        <p:blipFill>
+          <a:blip r:embed="rId5">
+            <a:extLst>
+              <a:ext uri="{28A0092B-C50C-407E-A947-70E740481C1C}">
+                <a14:useLocalDpi xmlns:a14="http://schemas.microsoft.com/office/drawing/2010/main" val="0"/>
+              </a:ext>
+            </a:extLst>
+          </a:blip>
+          <a:stretch>
+            <a:fillRect/>
+          </a:stretch>
+        </p:blipFill>
+        <p:spPr>
+          <a:xfrm>
+            <a:off x="9372385" y="2557670"/>
+            <a:ext cx="2116505" cy="2178603"/>
+          </a:xfrm>
+          <a:prstGeom prst="rect">
+            <a:avLst/>
+          </a:prstGeom>
+        </p:spPr>
+      </p:pic>
+      <p:sp>
+        <p:nvSpPr>
+          <p:cNvPr id="2" name="Прямоугольник 1">
+            <a:extLst>
+              <a:ext uri="{FF2B5EF4-FFF2-40B4-BE49-F238E27FC236}">
+                <a16:creationId xmlns:a16="http://schemas.microsoft.com/office/drawing/2014/main" id="{4ABBDBAE-DF4D-47DC-9B9D-A81525ED178E}"/>
+              </a:ext>
+            </a:extLst>
+          </p:cNvPr>
+          <p:cNvSpPr/>
+          <p:nvPr/>
+        </p:nvSpPr>
+        <p:spPr>
+          <a:xfrm>
+            <a:off x="3660819" y="3185306"/>
+            <a:ext cx="535723" cy="923330"/>
+          </a:xfrm>
+          <a:prstGeom prst="rect">
+            <a:avLst/>
+          </a:prstGeom>
+          <a:noFill/>
+        </p:spPr>
+        <p:txBody>
+          <a:bodyPr wrap="none" lIns="91440" tIns="45720" rIns="91440" bIns="45720">
+            <a:spAutoFit/>
+          </a:bodyPr>
+          <a:lstStyle/>
+          <a:p>
+            <a:pPr algn="ctr"/>
+            <a:r>
+              <a:rPr lang="ru-RU" sz="5400" b="1" cap="none" spc="50" dirty="0">
+                <a:ln w="9525" cmpd="sng">
+                  <a:solidFill>
+                    <a:schemeClr val="accent1"/>
+                  </a:solidFill>
+                  <a:prstDash val="solid"/>
+                </a:ln>
+                <a:solidFill>
+                  <a:srgbClr val="70AD47">
+                    <a:tint val="1000"/>
+                  </a:srgbClr>
+                </a:solidFill>
+                <a:effectLst>
+                  <a:glow rad="38100">
+                    <a:schemeClr val="accent1">
+                      <a:alpha val="40000"/>
+                    </a:schemeClr>
+                  </a:glow>
+                </a:effectLst>
+              </a:rPr>
+              <a:t>+</a:t>
+            </a:r>
+          </a:p>
+        </p:txBody>
+      </p:sp>
+      <p:sp>
+        <p:nvSpPr>
+          <p:cNvPr id="8" name="Прямоугольник 7">
+            <a:extLst>
+              <a:ext uri="{FF2B5EF4-FFF2-40B4-BE49-F238E27FC236}">
+                <a16:creationId xmlns:a16="http://schemas.microsoft.com/office/drawing/2014/main" id="{CFF92D21-751E-40B7-B2CE-E3FF87B3AC87}"/>
+              </a:ext>
+            </a:extLst>
+          </p:cNvPr>
+          <p:cNvSpPr/>
+          <p:nvPr/>
+        </p:nvSpPr>
+        <p:spPr>
+          <a:xfrm>
+            <a:off x="7995456" y="3185306"/>
+            <a:ext cx="535724" cy="923330"/>
+          </a:xfrm>
+          <a:prstGeom prst="rect">
+            <a:avLst/>
+          </a:prstGeom>
+          <a:noFill/>
+        </p:spPr>
+        <p:txBody>
+          <a:bodyPr wrap="none" lIns="91440" tIns="45720" rIns="91440" bIns="45720">
+            <a:spAutoFit/>
+          </a:bodyPr>
+          <a:lstStyle/>
+          <a:p>
+            <a:pPr algn="ctr"/>
+            <a:r>
+              <a:rPr lang="ru-RU" sz="5400" b="1" spc="50" dirty="0">
+                <a:ln w="9525" cmpd="sng">
+                  <a:solidFill>
+                    <a:schemeClr val="accent1"/>
+                  </a:solidFill>
+                  <a:prstDash val="solid"/>
+                </a:ln>
+                <a:solidFill>
+                  <a:srgbClr val="70AD47">
+                    <a:tint val="1000"/>
+                  </a:srgbClr>
+                </a:solidFill>
+                <a:effectLst>
+                  <a:glow rad="38100">
+                    <a:schemeClr val="accent1">
+                      <a:alpha val="40000"/>
+                    </a:schemeClr>
+                  </a:glow>
+                </a:effectLst>
+              </a:rPr>
+              <a:t>=</a:t>
+            </a:r>
+            <a:endParaRPr lang="ru-RU" sz="5400" b="1" cap="none" spc="50" dirty="0">
+              <a:ln w="9525" cmpd="sng">
+                <a:solidFill>
+                  <a:schemeClr val="accent1"/>
+                </a:solidFill>
+                <a:prstDash val="solid"/>
+              </a:ln>
+              <a:solidFill>
+                <a:srgbClr val="70AD47">
+                  <a:tint val="1000"/>
+                </a:srgbClr>
+              </a:solidFill>
+              <a:effectLst>
+                <a:glow rad="38100">
+                  <a:schemeClr val="accent1">
+                    <a:alpha val="40000"/>
+                  </a:schemeClr>
+                </a:glow>
+              </a:effectLst>
+            </a:endParaRPr>
+          </a:p>
+        </p:txBody>
+      </p:sp>
+    </p:spTree>
+    <p:extLst>
+      <p:ext uri="{BB962C8B-B14F-4D97-AF65-F5344CB8AC3E}">
+        <p14:creationId xmlns:p14="http://schemas.microsoft.com/office/powerpoint/2010/main" val="435225498"/>
+      </p:ext>
+    </p:extLst>
+  </p:cSld>
+  <p:clrMapOvr>
+    <a:masterClrMapping/>
+  </p:clrMapOvr>
+  <mc:AlternateContent xmlns:mc="http://schemas.openxmlformats.org/markup-compatibility/2006" xmlns:p15="http://schemas.microsoft.com/office/powerpoint/2012/main">
+    <mc:Choice Requires="p15">
+      <p:transition xmlns:p14="http://schemas.microsoft.com/office/powerpoint/2010/main" spd="slow" p14:dur="2000">
+        <p15:prstTrans prst="drape"/>
+        <p:sndAc>
+          <p:stSnd>
+            <p:snd r:embed="rId2" name="arrow.wav"/>
+          </p:stSnd>
+        </p:sndAc>
+      </p:transition>
+    </mc:Choice>
+    <mc:Fallback xmlns="">
+      <p:transition spd="slow">
+        <p:fade/>
+        <p:sndAc>
+          <p:stSnd>
+            <p:snd r:embed="rId6" name="arrow.wav"/>
+          </p:stSnd>
+        </p:sndAc>
+      </p:transition>
+    </mc:Fallback>
+  </mc:AlternateContent>
+</p:sld>
+</file>
+
+<file path=ppt/slides/slide5.xml><?xml version="1.0" encoding="utf-8"?>
+<p:sld xmlns:a="http://schemas.openxmlformats.org/drawingml/2006/main" xmlns:r="http://schemas.openxmlformats.org/officeDocument/2006/relationships" xmlns:p="http://schemas.openxmlformats.org/presentationml/2006/main">
+  <p:cSld>
+    <p:spTree>
+      <p:nvGrpSpPr>
+        <p:cNvPr id="1" name=""/>
+        <p:cNvGrpSpPr/>
+        <p:nvPr/>
+      </p:nvGrpSpPr>
+      <p:grpSpPr>
+        <a:xfrm>
+          <a:off x="0" y="0"/>
+          <a:ext cx="0" cy="0"/>
+          <a:chOff x="0" y="0"/>
+          <a:chExt cx="0" cy="0"/>
+        </a:xfrm>
+      </p:grpSpPr>
+      <p:sp>
+        <p:nvSpPr>
+          <p:cNvPr id="5" name="Заголовок 1">
+            <a:extLst>
+              <a:ext uri="{FF2B5EF4-FFF2-40B4-BE49-F238E27FC236}">
+                <a16:creationId xmlns:a16="http://schemas.microsoft.com/office/drawing/2014/main" id="{BEF283AE-CF7B-4BB6-AF64-13B560335867}"/>
+              </a:ext>
+            </a:extLst>
+          </p:cNvPr>
+          <p:cNvSpPr>
+            <a:spLocks noGrp="1"/>
+          </p:cNvSpPr>
+          <p:nvPr>
+            <p:ph type="title"/>
+          </p:nvPr>
+        </p:nvSpPr>
+        <p:spPr>
+          <a:xfrm>
+            <a:off x="1669774" y="2803179"/>
+            <a:ext cx="9395792" cy="1251641"/>
+          </a:xfrm>
+        </p:spPr>
+        <p:txBody>
+          <a:bodyPr>
+            <a:noAutofit/>
+          </a:bodyPr>
+          <a:lstStyle/>
+          <a:p>
+            <a:pPr algn="ctr"/>
+            <a:r>
+              <a:rPr lang="ru-RU" sz="5400" b="1" dirty="0">
+                <a:ln w="13462">
+                  <a:solidFill>
+                    <a:schemeClr val="bg1"/>
+                  </a:solidFill>
+                  <a:prstDash val="solid"/>
+                </a:ln>
+                <a:solidFill>
+                  <a:schemeClr val="accent1">
+                    <a:lumMod val="50000"/>
+                  </a:schemeClr>
+                </a:solidFill>
+                <a:effectLst>
+                  <a:outerShdw dist="38100" dir="2700000" algn="bl" rotWithShape="0">
+                    <a:schemeClr val="accent5"/>
+                  </a:outerShdw>
+                </a:effectLst>
+                <a:latin typeface="Segoe Print" panose="02000600000000000000" pitchFamily="2" charset="0"/>
+              </a:rPr>
+              <a:t>Работа сайта</a:t>
+            </a:r>
+          </a:p>
+        </p:txBody>
+      </p:sp>
+    </p:spTree>
+    <p:extLst>
+      <p:ext uri="{BB962C8B-B14F-4D97-AF65-F5344CB8AC3E}">
+        <p14:creationId xmlns:p14="http://schemas.microsoft.com/office/powerpoint/2010/main" val="2631879854"/>
       </p:ext>
     </p:extLst>
   </p:cSld>
@@ -3878,7 +4713,7 @@
 </p:sld>
 </file>
 
-<file path=ppt/slides/slide3.xml><?xml version="1.0" encoding="utf-8"?>
+<file path=ppt/slides/slide6.xml><?xml version="1.0" encoding="utf-8"?>
 <p:sld xmlns:a="http://schemas.openxmlformats.org/drawingml/2006/main" xmlns:r="http://schemas.openxmlformats.org/officeDocument/2006/relationships" xmlns:p="http://schemas.openxmlformats.org/presentationml/2006/main">
   <p:cSld>
     <p:spTree>
@@ -3944,15 +4779,117 @@
                 </a:effectLst>
                 <a:latin typeface="Segoe Print" panose="02000600000000000000" pitchFamily="2" charset="0"/>
               </a:rPr>
-              <a:t>Ход работы</a:t>
-            </a:r>
-          </a:p>
-        </p:txBody>
-      </p:sp>
+              <a:t>Домашняя страница</a:t>
+            </a:r>
+          </a:p>
+        </p:txBody>
+      </p:sp>
+      <p:pic>
+        <p:nvPicPr>
+          <p:cNvPr id="9" name="Рисунок 8">
+            <a:extLst>
+              <a:ext uri="{FF2B5EF4-FFF2-40B4-BE49-F238E27FC236}">
+                <a16:creationId xmlns:a16="http://schemas.microsoft.com/office/drawing/2014/main" id="{D3CA975E-960C-456F-93CD-D43F6C7F93F6}"/>
+              </a:ext>
+            </a:extLst>
+          </p:cNvPr>
+          <p:cNvPicPr>
+            <a:picLocks noChangeAspect="1"/>
+          </p:cNvPicPr>
+          <p:nvPr/>
+        </p:nvPicPr>
+        <p:blipFill>
+          <a:blip r:embed="rId3"/>
+          <a:stretch>
+            <a:fillRect/>
+          </a:stretch>
+        </p:blipFill>
+        <p:spPr>
+          <a:xfrm>
+            <a:off x="463826" y="2316105"/>
+            <a:ext cx="8136835" cy="3812280"/>
+          </a:xfrm>
+          <a:prstGeom prst="rect">
+            <a:avLst/>
+          </a:prstGeom>
+        </p:spPr>
+      </p:pic>
+      <p:pic>
+        <p:nvPicPr>
+          <p:cNvPr id="4" name="Рисунок 3">
+            <a:extLst>
+              <a:ext uri="{FF2B5EF4-FFF2-40B4-BE49-F238E27FC236}">
+                <a16:creationId xmlns:a16="http://schemas.microsoft.com/office/drawing/2014/main" id="{9FE31F8A-88CC-4B95-8FC9-83A18F978E52}"/>
+              </a:ext>
+            </a:extLst>
+          </p:cNvPr>
+          <p:cNvPicPr>
+            <a:picLocks noChangeAspect="1"/>
+          </p:cNvPicPr>
+          <p:nvPr/>
+        </p:nvPicPr>
+        <p:blipFill>
+          <a:blip r:embed="rId4">
+            <a:extLst>
+              <a:ext uri="{28A0092B-C50C-407E-A947-70E740481C1C}">
+                <a14:useLocalDpi xmlns:a14="http://schemas.microsoft.com/office/drawing/2010/main" val="0"/>
+              </a:ext>
+            </a:extLst>
+          </a:blip>
+          <a:stretch>
+            <a:fillRect/>
+          </a:stretch>
+        </p:blipFill>
+        <p:spPr>
+          <a:xfrm>
+            <a:off x="9528313" y="2316105"/>
+            <a:ext cx="1524000" cy="1524000"/>
+          </a:xfrm>
+          <a:prstGeom prst="rect">
+            <a:avLst/>
+          </a:prstGeom>
+        </p:spPr>
+      </p:pic>
+      <p:pic>
+        <p:nvPicPr>
+          <p:cNvPr id="12" name="Рисунок 11">
+            <a:extLst>
+              <a:ext uri="{FF2B5EF4-FFF2-40B4-BE49-F238E27FC236}">
+                <a16:creationId xmlns:a16="http://schemas.microsoft.com/office/drawing/2014/main" id="{A84D43F2-5EFF-45C2-ABF4-C67B07333A55}"/>
+              </a:ext>
+            </a:extLst>
+          </p:cNvPr>
+          <p:cNvPicPr>
+            <a:picLocks noChangeAspect="1"/>
+          </p:cNvPicPr>
+          <p:nvPr/>
+        </p:nvPicPr>
+        <p:blipFill>
+          <a:blip r:embed="rId5">
+            <a:extLst>
+              <a:ext uri="{28A0092B-C50C-407E-A947-70E740481C1C}">
+                <a14:useLocalDpi xmlns:a14="http://schemas.microsoft.com/office/drawing/2010/main" val="0"/>
+              </a:ext>
+            </a:extLst>
+          </a:blip>
+          <a:stretch>
+            <a:fillRect/>
+          </a:stretch>
+        </p:blipFill>
+        <p:spPr>
+          <a:xfrm>
+            <a:off x="9213988" y="4369490"/>
+            <a:ext cx="2152650" cy="742950"/>
+          </a:xfrm>
+          <a:prstGeom prst="rect">
+            <a:avLst/>
+          </a:prstGeom>
+        </p:spPr>
+      </p:pic>
     </p:spTree>
     <p:extLst>
       <p:ext uri="{BB962C8B-B14F-4D97-AF65-F5344CB8AC3E}">
-        <p14:creationId xmlns:p14="http://schemas.microsoft.com/office/powerpoint/2010/main" val="1606849359"/>
+        <p14:creationId xmlns:p14="http://schemas.microsoft.com/office/powerpoint/2010/main" val="1706647232"/>
       </p:ext>
     </p:extLst>
   </p:cSld>
@@ -3975,7 +4912,7 @@
         <p:fade/>
         <p:sndAc>
           <p:stSnd>
-            <p:snd r:embed="rId3" name="arrow.wav"/>
+            <p:snd r:embed="rId6" name="arrow.wav"/>
           </p:stSnd>
         </p:sndAc>
       </p:transition>
@@ -3984,7 +4921,173 @@
 </p:sld>
 </file>
 
-<file path=ppt/slides/slide4.xml><?xml version="1.0" encoding="utf-8"?>
+<file path=ppt/slides/slide7.xml><?xml version="1.0" encoding="utf-8"?>
+<p:sld xmlns:a="http://schemas.openxmlformats.org/drawingml/2006/main" xmlns:r="http://schemas.openxmlformats.org/officeDocument/2006/relationships" xmlns:p="http://schemas.openxmlformats.org/presentationml/2006/main">
+  <p:cSld>
+    <p:spTree>
+      <p:nvGrpSpPr>
+        <p:cNvPr id="1" name=""/>
+        <p:cNvGrpSpPr/>
+        <p:nvPr/>
+      </p:nvGrpSpPr>
+      <p:grpSpPr>
+        <a:xfrm>
+          <a:off x="0" y="0"/>
+          <a:ext cx="0" cy="0"/>
+          <a:chOff x="0" y="0"/>
+          <a:chExt cx="0" cy="0"/>
+        </a:xfrm>
+      </p:grpSpPr>
+      <p:sp>
+        <p:nvSpPr>
+          <p:cNvPr id="5" name="Заголовок 1">
+            <a:extLst>
+              <a:ext uri="{FF2B5EF4-FFF2-40B4-BE49-F238E27FC236}">
+                <a16:creationId xmlns:a16="http://schemas.microsoft.com/office/drawing/2014/main" id="{BEF283AE-CF7B-4BB6-AF64-13B560335867}"/>
+              </a:ext>
+            </a:extLst>
+          </p:cNvPr>
+          <p:cNvSpPr>
+            <a:spLocks noGrp="1"/>
+          </p:cNvSpPr>
+          <p:nvPr>
+            <p:ph type="title"/>
+          </p:nvPr>
+        </p:nvSpPr>
+        <p:spPr>
+          <a:xfrm>
+            <a:off x="1656521" y="974725"/>
+            <a:ext cx="9395792" cy="1251641"/>
+          </a:xfrm>
+        </p:spPr>
+        <p:txBody>
+          <a:bodyPr>
+            <a:noAutofit/>
+          </a:bodyPr>
+          <a:lstStyle/>
+          <a:p>
+            <a:pPr algn="ctr"/>
+            <a:r>
+              <a:rPr lang="ru-RU" sz="5400" b="1" dirty="0">
+                <a:ln w="13462">
+                  <a:solidFill>
+                    <a:schemeClr val="bg1"/>
+                  </a:solidFill>
+                  <a:prstDash val="solid"/>
+                </a:ln>
+                <a:solidFill>
+                  <a:schemeClr val="accent1">
+                    <a:lumMod val="50000"/>
+                  </a:schemeClr>
+                </a:solidFill>
+                <a:effectLst>
+                  <a:outerShdw dist="38100" dir="2700000" algn="bl" rotWithShape="0">
+                    <a:schemeClr val="accent5"/>
+                  </a:outerShdw>
+                </a:effectLst>
+                <a:latin typeface="Segoe Print" panose="02000600000000000000" pitchFamily="2" charset="0"/>
+              </a:rPr>
+              <a:t>Главная страница</a:t>
+            </a:r>
+          </a:p>
+        </p:txBody>
+      </p:sp>
+      <p:pic>
+        <p:nvPicPr>
+          <p:cNvPr id="3" name="Рисунок 2">
+            <a:extLst>
+              <a:ext uri="{FF2B5EF4-FFF2-40B4-BE49-F238E27FC236}">
+                <a16:creationId xmlns:a16="http://schemas.microsoft.com/office/drawing/2014/main" id="{8058E973-D743-4DF7-9118-060DFF4CD25F}"/>
+              </a:ext>
+            </a:extLst>
+          </p:cNvPr>
+          <p:cNvPicPr>
+            <a:picLocks noChangeAspect="1"/>
+          </p:cNvPicPr>
+          <p:nvPr/>
+        </p:nvPicPr>
+        <p:blipFill>
+          <a:blip r:embed="rId3"/>
+          <a:stretch>
+            <a:fillRect/>
+          </a:stretch>
+        </p:blipFill>
+        <p:spPr>
+          <a:xfrm>
+            <a:off x="6096000" y="2101044"/>
+            <a:ext cx="5375772" cy="2530591"/>
+          </a:xfrm>
+          <a:prstGeom prst="rect">
+            <a:avLst/>
+          </a:prstGeom>
+        </p:spPr>
+      </p:pic>
+      <p:pic>
+        <p:nvPicPr>
+          <p:cNvPr id="7" name="Рисунок 6">
+            <a:extLst>
+              <a:ext uri="{FF2B5EF4-FFF2-40B4-BE49-F238E27FC236}">
+                <a16:creationId xmlns:a16="http://schemas.microsoft.com/office/drawing/2014/main" id="{33CBE500-1FD6-4C21-9C7E-DD4DA42F4F08}"/>
+              </a:ext>
+            </a:extLst>
+          </p:cNvPr>
+          <p:cNvPicPr>
+            <a:picLocks noChangeAspect="1"/>
+          </p:cNvPicPr>
+          <p:nvPr/>
+        </p:nvPicPr>
+        <p:blipFill>
+          <a:blip r:embed="rId4"/>
+          <a:stretch>
+            <a:fillRect/>
+          </a:stretch>
+        </p:blipFill>
+        <p:spPr>
+          <a:xfrm>
+            <a:off x="212033" y="3949149"/>
+            <a:ext cx="5663291" cy="2668282"/>
+          </a:xfrm>
+          <a:prstGeom prst="rect">
+            <a:avLst/>
+          </a:prstGeom>
+        </p:spPr>
+      </p:pic>
+    </p:spTree>
+    <p:extLst>
+      <p:ext uri="{BB962C8B-B14F-4D97-AF65-F5344CB8AC3E}">
+        <p14:creationId xmlns:p14="http://schemas.microsoft.com/office/powerpoint/2010/main" val="244554092"/>
+      </p:ext>
+    </p:extLst>
+  </p:cSld>
+  <p:clrMapOvr>
+    <a:masterClrMapping/>
+  </p:clrMapOvr>
+  <mc:AlternateContent xmlns:mc="http://schemas.openxmlformats.org/markup-compatibility/2006" xmlns:p15="http://schemas.microsoft.com/office/powerpoint/2012/main">
+    <mc:Choice Requires="p15">
+      <p:transition xmlns:p14="http://schemas.microsoft.com/office/powerpoint/2010/main" spd="slow" p14:dur="2000">
+        <p15:prstTrans prst="drape"/>
+        <p:sndAc>
+          <p:stSnd>
+            <p:snd r:embed="rId2" name="arrow.wav"/>
+          </p:stSnd>
+        </p:sndAc>
+      </p:transition>
+    </mc:Choice>
+    <mc:Fallback xmlns="">
+      <p:transition spd="slow">
+        <p:fade/>
+        <p:sndAc>
+          <p:stSnd>
+            <p:snd r:embed="rId5" name="arrow.wav"/>
+          </p:stSnd>
+        </p:sndAc>
+      </p:transition>
+    </mc:Fallback>
+  </mc:AlternateContent>
+</p:sld>
+</file>
+
+<file path=ppt/slides/slide8.xml><?xml version="1.0" encoding="utf-8"?>
 <p:sld xmlns:a="http://schemas.openxmlformats.org/drawingml/2006/main" xmlns:r="http://schemas.openxmlformats.org/officeDocument/2006/relationships" xmlns:p="http://schemas.openxmlformats.org/presentationml/2006/main">
   <p:cSld>
     <p:spTree>
@@ -4055,6 +5158,66 @@
           </a:p>
         </p:txBody>
       </p:sp>
+      <p:pic>
+        <p:nvPicPr>
+          <p:cNvPr id="3" name="Рисунок 2">
+            <a:extLst>
+              <a:ext uri="{FF2B5EF4-FFF2-40B4-BE49-F238E27FC236}">
+                <a16:creationId xmlns:a16="http://schemas.microsoft.com/office/drawing/2014/main" id="{2FC96F2B-963D-4921-8574-FF8F594DFE78}"/>
+              </a:ext>
+            </a:extLst>
+          </p:cNvPr>
+          <p:cNvPicPr>
+            <a:picLocks noChangeAspect="1"/>
+          </p:cNvPicPr>
+          <p:nvPr/>
+        </p:nvPicPr>
+        <p:blipFill>
+          <a:blip r:embed="rId3"/>
+          <a:stretch>
+            <a:fillRect/>
+          </a:stretch>
+        </p:blipFill>
+        <p:spPr>
+          <a:xfrm>
+            <a:off x="844622" y="2226366"/>
+            <a:ext cx="5509795" cy="1476581"/>
+          </a:xfrm>
+          <a:prstGeom prst="rect">
+            <a:avLst/>
+          </a:prstGeom>
+        </p:spPr>
+      </p:pic>
+      <p:pic>
+        <p:nvPicPr>
+          <p:cNvPr id="6" name="Рисунок 5">
+            <a:extLst>
+              <a:ext uri="{FF2B5EF4-FFF2-40B4-BE49-F238E27FC236}">
+                <a16:creationId xmlns:a16="http://schemas.microsoft.com/office/drawing/2014/main" id="{39D76CAE-D40D-44A0-886B-F75B7CC0B053}"/>
+              </a:ext>
+            </a:extLst>
+          </p:cNvPr>
+          <p:cNvPicPr>
+            <a:picLocks noChangeAspect="1"/>
+          </p:cNvPicPr>
+          <p:nvPr/>
+        </p:nvPicPr>
+        <p:blipFill>
+          <a:blip r:embed="rId4"/>
+          <a:stretch>
+            <a:fillRect/>
+          </a:stretch>
+        </p:blipFill>
+        <p:spPr>
+          <a:xfrm>
+            <a:off x="5835940" y="3429000"/>
+            <a:ext cx="5734850" cy="2829320"/>
+          </a:xfrm>
+          <a:prstGeom prst="rect">
+            <a:avLst/>
+          </a:prstGeom>
+        </p:spPr>
+      </p:pic>
     </p:spTree>
     <p:extLst>
       <p:ext uri="{BB962C8B-B14F-4D97-AF65-F5344CB8AC3E}">
@@ -4081,7 +5244,7 @@
         <p:fade/>
         <p:sndAc>
           <p:stSnd>
-            <p:snd r:embed="rId3" name="arrow.wav"/>
+            <p:snd r:embed="rId5" name="arrow.wav"/>
           </p:stSnd>
         </p:sndAc>
       </p:transition>
@@ -4090,7 +5253,7 @@
 </p:sld>
 </file>
 
-<file path=ppt/slides/slide5.xml><?xml version="1.0" encoding="utf-8"?>
+<file path=ppt/slides/slide9.xml><?xml version="1.0" encoding="utf-8"?>
 <p:sld xmlns:a="http://schemas.openxmlformats.org/drawingml/2006/main" xmlns:r="http://schemas.openxmlformats.org/officeDocument/2006/relationships" xmlns:p="http://schemas.openxmlformats.org/presentationml/2006/main">
   <p:cSld>
     <p:spTree>
@@ -4300,6 +5463,22 @@
           </a:lstStyle>
           <a:p>
             <a:r>
+              <a:rPr lang="en-US" dirty="0">
+                <a:solidFill>
+                  <a:srgbClr val="C00000"/>
+                </a:solidFill>
+                <a:hlinkClick r:id="rId3"/>
+              </a:rPr>
+              <a:t>https://www.probytes.net/wp-content/uploads/2018/10/flask-logo-png-transparent.png</a:t>
+            </a:r>
+            <a:endParaRPr lang="en-US" dirty="0">
+              <a:solidFill>
+                <a:srgbClr val="C00000"/>
+              </a:solidFill>
+            </a:endParaRPr>
+          </a:p>
+          <a:p>
+            <a:r>
               <a:rPr lang="ru-RU" dirty="0">
                 <a:solidFill>
                   <a:srgbClr val="C00000"/>
@@ -4307,6 +5486,27 @@
               </a:rPr>
               <a:t>   </a:t>
             </a:r>
+            <a:r>
+              <a:rPr lang="en-US" dirty="0">
+                <a:solidFill>
+                  <a:srgbClr val="C00000"/>
+                </a:solidFill>
+                <a:hlinkClick r:id="rId4"/>
+              </a:rPr>
+              <a:t>https://1.bp.blogspot.com/-vNEpVFceFI4/YNiojUtYEgI/AAAAAAAAA9I/2DkvSGbDk_8p3uMorP6ZtViTG0ghfg7cQCLcBGAsYHQ/s1920/Untitled%2Bdesign.png</a:t>
+            </a:r>
+            <a:endParaRPr lang="en-US" dirty="0">
+              <a:solidFill>
+                <a:srgbClr val="C00000"/>
+              </a:solidFill>
+            </a:endParaRPr>
+          </a:p>
+          <a:p>
+            <a:endParaRPr lang="ru-RU" dirty="0">
+              <a:solidFill>
+                <a:srgbClr val="C00000"/>
+              </a:solidFill>
+            </a:endParaRPr>
           </a:p>
         </p:txBody>
       </p:sp>
@@ -4389,85 +5589,12 @@
         <p:fade/>
         <p:sndAc>
           <p:stSnd>
-            <p:snd r:embed="rId3" name="arrow.wav"/>
+            <p:snd r:embed="rId5" name="arrow.wav"/>
           </p:stSnd>
         </p:sndAc>
       </p:transition>
     </mc:Fallback>
   </mc:AlternateContent>
-</p:sld>
-</file>
-
-<file path=ppt/slides/slide6.xml><?xml version="1.0" encoding="utf-8"?>
-<p:sld xmlns:a="http://schemas.openxmlformats.org/drawingml/2006/main" xmlns:r="http://schemas.openxmlformats.org/officeDocument/2006/relationships" xmlns:p="http://schemas.openxmlformats.org/presentationml/2006/main">
-  <p:cSld>
-    <p:spTree>
-      <p:nvGrpSpPr>
-        <p:cNvPr id="1" name=""/>
-        <p:cNvGrpSpPr/>
-        <p:nvPr/>
-      </p:nvGrpSpPr>
-      <p:grpSpPr>
-        <a:xfrm>
-          <a:off x="0" y="0"/>
-          <a:ext cx="0" cy="0"/>
-          <a:chOff x="0" y="0"/>
-          <a:chExt cx="0" cy="0"/>
-        </a:xfrm>
-      </p:grpSpPr>
-      <p:sp>
-        <p:nvSpPr>
-          <p:cNvPr id="2" name="Заголовок 1">
-            <a:extLst>
-              <a:ext uri="{FF2B5EF4-FFF2-40B4-BE49-F238E27FC236}">
-                <a16:creationId xmlns:a16="http://schemas.microsoft.com/office/drawing/2014/main" id="{88ED6846-BBC9-44A5-AD14-26AB49C78110}"/>
-              </a:ext>
-            </a:extLst>
-          </p:cNvPr>
-          <p:cNvSpPr>
-            <a:spLocks noGrp="1"/>
-          </p:cNvSpPr>
-          <p:nvPr>
-            <p:ph type="ctrTitle"/>
-          </p:nvPr>
-        </p:nvSpPr>
-        <p:spPr>
-          <a:xfrm>
-            <a:off x="669235" y="1652450"/>
-            <a:ext cx="10853530" cy="2387600"/>
-          </a:xfrm>
-        </p:spPr>
-        <p:txBody>
-          <a:bodyPr/>
-          <a:lstStyle/>
-          <a:p>
-            <a:r>
-              <a:rPr lang="ru-RU" sz="8000" dirty="0">
-                <a:solidFill>
-                  <a:srgbClr val="002060"/>
-                </a:solidFill>
-                <a:latin typeface="Brush Script MT" panose="03060802040406070304" pitchFamily="66" charset="0"/>
-              </a:rPr>
-              <a:t>Спасибо за внимание!</a:t>
-            </a:r>
-            <a:endParaRPr lang="ru-RU" sz="8000" dirty="0">
-              <a:solidFill>
-                <a:srgbClr val="002060"/>
-              </a:solidFill>
-            </a:endParaRPr>
-          </a:p>
-        </p:txBody>
-      </p:sp>
-    </p:spTree>
-    <p:extLst>
-      <p:ext uri="{BB962C8B-B14F-4D97-AF65-F5344CB8AC3E}">
-        <p14:creationId xmlns:p14="http://schemas.microsoft.com/office/powerpoint/2010/main" val="2351988604"/>
-      </p:ext>
-    </p:extLst>
-  </p:cSld>
-  <p:clrMapOvr>
-    <a:masterClrMapping/>
-  </p:clrMapOvr>
 </p:sld>
 </file>
 

--- a/Презентация.pptx
+++ b/Презентация.pptx
@@ -12,9 +12,13 @@
     <p:sldId id="267" r:id="rId6"/>
     <p:sldId id="268" r:id="rId7"/>
     <p:sldId id="269" r:id="rId8"/>
-    <p:sldId id="261" r:id="rId9"/>
-    <p:sldId id="259" r:id="rId10"/>
-    <p:sldId id="264" r:id="rId11"/>
+    <p:sldId id="271" r:id="rId9"/>
+    <p:sldId id="270" r:id="rId10"/>
+    <p:sldId id="272" r:id="rId11"/>
+    <p:sldId id="273" r:id="rId12"/>
+    <p:sldId id="261" r:id="rId13"/>
+    <p:sldId id="259" r:id="rId14"/>
+    <p:sldId id="264" r:id="rId15"/>
   </p:sldIdLst>
   <p:sldSz cx="12192000" cy="6858000"/>
   <p:notesSz cx="6858000" cy="9144000"/>
@@ -3795,83 +3799,10 @@
       </p:grpSpPr>
       <p:sp>
         <p:nvSpPr>
-          <p:cNvPr id="2" name="Заголовок 1">
-            <a:extLst>
-              <a:ext uri="{FF2B5EF4-FFF2-40B4-BE49-F238E27FC236}">
-                <a16:creationId xmlns:a16="http://schemas.microsoft.com/office/drawing/2014/main" id="{88ED6846-BBC9-44A5-AD14-26AB49C78110}"/>
-              </a:ext>
-            </a:extLst>
-          </p:cNvPr>
-          <p:cNvSpPr>
-            <a:spLocks noGrp="1"/>
-          </p:cNvSpPr>
-          <p:nvPr>
-            <p:ph type="ctrTitle"/>
-          </p:nvPr>
-        </p:nvSpPr>
-        <p:spPr>
-          <a:xfrm>
-            <a:off x="669235" y="1652450"/>
-            <a:ext cx="10853530" cy="2387600"/>
-          </a:xfrm>
-        </p:spPr>
-        <p:txBody>
-          <a:bodyPr/>
-          <a:lstStyle/>
-          <a:p>
-            <a:r>
-              <a:rPr lang="ru-RU" sz="8000" dirty="0">
-                <a:solidFill>
-                  <a:srgbClr val="002060"/>
-                </a:solidFill>
-                <a:latin typeface="Brush Script MT" panose="03060802040406070304" pitchFamily="66" charset="0"/>
-              </a:rPr>
-              <a:t>Спасибо за внимание!</a:t>
-            </a:r>
-            <a:endParaRPr lang="ru-RU" sz="8000" dirty="0">
-              <a:solidFill>
-                <a:srgbClr val="002060"/>
-              </a:solidFill>
-            </a:endParaRPr>
-          </a:p>
-        </p:txBody>
-      </p:sp>
-    </p:spTree>
-    <p:extLst>
-      <p:ext uri="{BB962C8B-B14F-4D97-AF65-F5344CB8AC3E}">
-        <p14:creationId xmlns:p14="http://schemas.microsoft.com/office/powerpoint/2010/main" val="2351988604"/>
-      </p:ext>
-    </p:extLst>
-  </p:cSld>
-  <p:clrMapOvr>
-    <a:masterClrMapping/>
-  </p:clrMapOvr>
-</p:sld>
-</file>
-
-<file path=ppt/slides/slide2.xml><?xml version="1.0" encoding="utf-8"?>
-<p:sld xmlns:a="http://schemas.openxmlformats.org/drawingml/2006/main" xmlns:r="http://schemas.openxmlformats.org/officeDocument/2006/relationships" xmlns:p="http://schemas.openxmlformats.org/presentationml/2006/main">
-  <p:cSld>
-    <p:spTree>
-      <p:nvGrpSpPr>
-        <p:cNvPr id="1" name=""/>
-        <p:cNvGrpSpPr/>
-        <p:nvPr/>
-      </p:nvGrpSpPr>
-      <p:grpSpPr>
-        <a:xfrm>
-          <a:off x="0" y="0"/>
-          <a:ext cx="0" cy="0"/>
-          <a:chOff x="0" y="0"/>
-          <a:chExt cx="0" cy="0"/>
-        </a:xfrm>
-      </p:grpSpPr>
-      <p:sp>
-        <p:nvSpPr>
-          <p:cNvPr id="7" name="Заголовок 1">
-            <a:extLst>
-              <a:ext uri="{FF2B5EF4-FFF2-40B4-BE49-F238E27FC236}">
-                <a16:creationId xmlns:a16="http://schemas.microsoft.com/office/drawing/2014/main" id="{EAB67C05-3CB2-4A04-8BFB-5C8512AE4613}"/>
+          <p:cNvPr id="5" name="Заголовок 1">
+            <a:extLst>
+              <a:ext uri="{FF2B5EF4-FFF2-40B4-BE49-F238E27FC236}">
+                <a16:creationId xmlns:a16="http://schemas.microsoft.com/office/drawing/2014/main" id="{97C6967B-D069-4B88-8C7B-BD71656EE19C}"/>
               </a:ext>
             </a:extLst>
           </p:cNvPr>
@@ -3915,109 +3846,271 @@
                 </a:effectLst>
                 <a:latin typeface="Segoe Print" panose="02000600000000000000" pitchFamily="2" charset="0"/>
               </a:rPr>
-              <a:t>Цели и задачи проекта</a:t>
+              <a:t>Вопрос</a:t>
             </a:r>
           </a:p>
         </p:txBody>
       </p:sp>
       <p:pic>
         <p:nvPicPr>
-          <p:cNvPr id="1026" name="Picture 2">
-            <a:extLst>
-              <a:ext uri="{FF2B5EF4-FFF2-40B4-BE49-F238E27FC236}">
-                <a16:creationId xmlns:a16="http://schemas.microsoft.com/office/drawing/2014/main" id="{79BD5AF3-7E04-4A78-8B9B-8E22C835E0F3}"/>
+          <p:cNvPr id="8" name="Рисунок 7">
+            <a:extLst>
+              <a:ext uri="{FF2B5EF4-FFF2-40B4-BE49-F238E27FC236}">
+                <a16:creationId xmlns:a16="http://schemas.microsoft.com/office/drawing/2014/main" id="{ADA627E7-503E-4621-80AE-65E5D48C6A93}"/>
               </a:ext>
             </a:extLst>
           </p:cNvPr>
           <p:cNvPicPr>
-            <a:picLocks noChangeAspect="1" noChangeArrowheads="1"/>
+            <a:picLocks noChangeAspect="1"/>
           </p:cNvPicPr>
           <p:nvPr/>
         </p:nvPicPr>
         <p:blipFill>
-          <a:blip r:embed="rId3">
-            <a:extLst>
-              <a:ext uri="{28A0092B-C50C-407E-A947-70E740481C1C}">
-                <a14:useLocalDpi xmlns:a14="http://schemas.microsoft.com/office/drawing/2010/main" val="0"/>
-              </a:ext>
-            </a:extLst>
-          </a:blip>
-          <a:srcRect/>
+          <a:blip r:embed="rId3"/>
           <a:stretch>
             <a:fillRect/>
           </a:stretch>
         </p:blipFill>
-        <p:spPr bwMode="auto">
-          <a:xfrm>
-            <a:off x="2970214" y="2486388"/>
-            <a:ext cx="2516188" cy="3234137"/>
+        <p:spPr>
+          <a:xfrm>
+            <a:off x="954157" y="2155470"/>
+            <a:ext cx="7487478" cy="2547060"/>
           </a:xfrm>
           <a:prstGeom prst="rect">
             <a:avLst/>
           </a:prstGeom>
-          <a:noFill/>
-          <a:extLst>
-            <a:ext uri="{909E8E84-426E-40DD-AFC4-6F175D3DCCD1}">
-              <a14:hiddenFill xmlns:a14="http://schemas.microsoft.com/office/drawing/2010/main">
-                <a:solidFill>
-                  <a:srgbClr val="FFFFFF"/>
-                </a:solidFill>
-              </a14:hiddenFill>
-            </a:ext>
-          </a:extLst>
         </p:spPr>
       </p:pic>
       <p:pic>
         <p:nvPicPr>
-          <p:cNvPr id="1028" name="Picture 4">
-            <a:extLst>
-              <a:ext uri="{FF2B5EF4-FFF2-40B4-BE49-F238E27FC236}">
-                <a16:creationId xmlns:a16="http://schemas.microsoft.com/office/drawing/2014/main" id="{D581A872-5C4B-4CC5-B6E7-129C6AB8128B}"/>
+          <p:cNvPr id="4" name="Рисунок 3">
+            <a:extLst>
+              <a:ext uri="{FF2B5EF4-FFF2-40B4-BE49-F238E27FC236}">
+                <a16:creationId xmlns:a16="http://schemas.microsoft.com/office/drawing/2014/main" id="{BFD365DA-EB8A-4EBD-AF9F-9EFA548BEF0F}"/>
               </a:ext>
             </a:extLst>
           </p:cNvPr>
           <p:cNvPicPr>
-            <a:picLocks noChangeAspect="1" noChangeArrowheads="1"/>
+            <a:picLocks noChangeAspect="1"/>
           </p:cNvPicPr>
           <p:nvPr/>
         </p:nvPicPr>
         <p:blipFill>
-          <a:blip r:embed="rId4">
-            <a:extLst>
-              <a:ext uri="{28A0092B-C50C-407E-A947-70E740481C1C}">
-                <a14:useLocalDpi xmlns:a14="http://schemas.microsoft.com/office/drawing/2010/main" val="0"/>
-              </a:ext>
-            </a:extLst>
-          </a:blip>
-          <a:srcRect/>
+          <a:blip r:embed="rId4"/>
           <a:stretch>
             <a:fillRect/>
           </a:stretch>
         </p:blipFill>
-        <p:spPr bwMode="auto">
-          <a:xfrm>
-            <a:off x="5035826" y="2060965"/>
-            <a:ext cx="7262191" cy="4084982"/>
+        <p:spPr>
+          <a:xfrm>
+            <a:off x="7452759" y="5289718"/>
+            <a:ext cx="2486372" cy="771633"/>
           </a:xfrm>
           <a:prstGeom prst="rect">
             <a:avLst/>
           </a:prstGeom>
-          <a:noFill/>
-          <a:extLst>
-            <a:ext uri="{909E8E84-426E-40DD-AFC4-6F175D3DCCD1}">
-              <a14:hiddenFill xmlns:a14="http://schemas.microsoft.com/office/drawing/2010/main">
-                <a:solidFill>
-                  <a:srgbClr val="FFFFFF"/>
-                </a:solidFill>
-              </a14:hiddenFill>
-            </a:ext>
-          </a:extLst>
+        </p:spPr>
+      </p:pic>
+      <p:pic>
+        <p:nvPicPr>
+          <p:cNvPr id="11" name="Рисунок 10">
+            <a:extLst>
+              <a:ext uri="{FF2B5EF4-FFF2-40B4-BE49-F238E27FC236}">
+                <a16:creationId xmlns:a16="http://schemas.microsoft.com/office/drawing/2014/main" id="{96E4EA14-EE9E-43EC-BE86-CC033CBD986A}"/>
+              </a:ext>
+            </a:extLst>
+          </p:cNvPr>
+          <p:cNvPicPr>
+            <a:picLocks noChangeAspect="1"/>
+          </p:cNvPicPr>
+          <p:nvPr/>
+        </p:nvPicPr>
+        <p:blipFill>
+          <a:blip r:embed="rId5"/>
+          <a:stretch>
+            <a:fillRect/>
+          </a:stretch>
+        </p:blipFill>
+        <p:spPr>
+          <a:xfrm>
+            <a:off x="6789300" y="3199371"/>
+            <a:ext cx="5071396" cy="1707715"/>
+          </a:xfrm>
+          <a:prstGeom prst="rect">
+            <a:avLst/>
+          </a:prstGeom>
         </p:spPr>
       </p:pic>
     </p:spTree>
     <p:extLst>
       <p:ext uri="{BB962C8B-B14F-4D97-AF65-F5344CB8AC3E}">
-        <p14:creationId xmlns:p14="http://schemas.microsoft.com/office/powerpoint/2010/main" val="3519849113"/>
+        <p14:creationId xmlns:p14="http://schemas.microsoft.com/office/powerpoint/2010/main" val="304560569"/>
+      </p:ext>
+    </p:extLst>
+  </p:cSld>
+  <p:clrMapOvr>
+    <a:masterClrMapping/>
+  </p:clrMapOvr>
+  <mc:AlternateContent xmlns:mc="http://schemas.openxmlformats.org/markup-compatibility/2006" xmlns:p15="http://schemas.microsoft.com/office/powerpoint/2012/main">
+    <mc:Choice Requires="p15">
+      <p:transition xmlns:p14="http://schemas.microsoft.com/office/powerpoint/2010/main" spd="slow" p14:dur="2000">
+        <p15:prstTrans prst="drape"/>
+        <p:sndAc>
+          <p:stSnd>
+            <p:snd r:embed="rId2" name="arrow.wav"/>
+          </p:stSnd>
+        </p:sndAc>
+      </p:transition>
+    </mc:Choice>
+    <mc:Fallback xmlns="">
+      <p:transition spd="slow">
+        <p:fade/>
+        <p:sndAc>
+          <p:stSnd>
+            <p:snd r:embed="rId6" name="arrow.wav"/>
+          </p:stSnd>
+        </p:sndAc>
+      </p:transition>
+    </mc:Fallback>
+  </mc:AlternateContent>
+</p:sld>
+</file>
+
+<file path=ppt/slides/slide11.xml><?xml version="1.0" encoding="utf-8"?>
+<p:sld xmlns:a="http://schemas.openxmlformats.org/drawingml/2006/main" xmlns:r="http://schemas.openxmlformats.org/officeDocument/2006/relationships" xmlns:p="http://schemas.openxmlformats.org/presentationml/2006/main">
+  <p:cSld>
+    <p:spTree>
+      <p:nvGrpSpPr>
+        <p:cNvPr id="1" name=""/>
+        <p:cNvGrpSpPr/>
+        <p:nvPr/>
+      </p:nvGrpSpPr>
+      <p:grpSpPr>
+        <a:xfrm>
+          <a:off x="0" y="0"/>
+          <a:ext cx="0" cy="0"/>
+          <a:chOff x="0" y="0"/>
+          <a:chExt cx="0" cy="0"/>
+        </a:xfrm>
+      </p:grpSpPr>
+      <p:sp>
+        <p:nvSpPr>
+          <p:cNvPr id="5" name="Заголовок 1">
+            <a:extLst>
+              <a:ext uri="{FF2B5EF4-FFF2-40B4-BE49-F238E27FC236}">
+                <a16:creationId xmlns:a16="http://schemas.microsoft.com/office/drawing/2014/main" id="{97C6967B-D069-4B88-8C7B-BD71656EE19C}"/>
+              </a:ext>
+            </a:extLst>
+          </p:cNvPr>
+          <p:cNvSpPr>
+            <a:spLocks noGrp="1"/>
+          </p:cNvSpPr>
+          <p:nvPr>
+            <p:ph type="title"/>
+          </p:nvPr>
+        </p:nvSpPr>
+        <p:spPr>
+          <a:xfrm>
+            <a:off x="1656521" y="974725"/>
+            <a:ext cx="9395792" cy="1251641"/>
+          </a:xfrm>
+        </p:spPr>
+        <p:txBody>
+          <a:bodyPr>
+            <a:noAutofit/>
+          </a:bodyPr>
+          <a:lstStyle/>
+          <a:p>
+            <a:pPr algn="ctr"/>
+            <a:r>
+              <a:rPr lang="ru-RU" sz="5400" b="1" dirty="0">
+                <a:ln w="13462">
+                  <a:solidFill>
+                    <a:schemeClr val="bg1"/>
+                  </a:solidFill>
+                  <a:prstDash val="solid"/>
+                </a:ln>
+                <a:solidFill>
+                  <a:schemeClr val="accent1">
+                    <a:lumMod val="50000"/>
+                  </a:schemeClr>
+                </a:solidFill>
+                <a:effectLst>
+                  <a:outerShdw dist="38100" dir="2700000" algn="bl" rotWithShape="0">
+                    <a:schemeClr val="accent5"/>
+                  </a:outerShdw>
+                </a:effectLst>
+                <a:latin typeface="Segoe Print" panose="02000600000000000000" pitchFamily="2" charset="0"/>
+              </a:rPr>
+              <a:t>Выбор предметов</a:t>
+            </a:r>
+          </a:p>
+        </p:txBody>
+      </p:sp>
+      <p:pic>
+        <p:nvPicPr>
+          <p:cNvPr id="3" name="Рисунок 2">
+            <a:extLst>
+              <a:ext uri="{FF2B5EF4-FFF2-40B4-BE49-F238E27FC236}">
+                <a16:creationId xmlns:a16="http://schemas.microsoft.com/office/drawing/2014/main" id="{1E394916-3A5D-4649-9D2D-B24118FA0BDC}"/>
+              </a:ext>
+            </a:extLst>
+          </p:cNvPr>
+          <p:cNvPicPr>
+            <a:picLocks noChangeAspect="1"/>
+          </p:cNvPicPr>
+          <p:nvPr/>
+        </p:nvPicPr>
+        <p:blipFill>
+          <a:blip r:embed="rId3"/>
+          <a:stretch>
+            <a:fillRect/>
+          </a:stretch>
+        </p:blipFill>
+        <p:spPr>
+          <a:xfrm>
+            <a:off x="9591568" y="2104163"/>
+            <a:ext cx="1133633" cy="476316"/>
+          </a:xfrm>
+          <a:prstGeom prst="rect">
+            <a:avLst/>
+          </a:prstGeom>
+        </p:spPr>
+      </p:pic>
+      <p:pic>
+        <p:nvPicPr>
+          <p:cNvPr id="7" name="Рисунок 6">
+            <a:extLst>
+              <a:ext uri="{FF2B5EF4-FFF2-40B4-BE49-F238E27FC236}">
+                <a16:creationId xmlns:a16="http://schemas.microsoft.com/office/drawing/2014/main" id="{B4D0EBC7-A468-40B8-8D22-49E46278C047}"/>
+              </a:ext>
+            </a:extLst>
+          </p:cNvPr>
+          <p:cNvPicPr>
+            <a:picLocks noChangeAspect="1"/>
+          </p:cNvPicPr>
+          <p:nvPr/>
+        </p:nvPicPr>
+        <p:blipFill>
+          <a:blip r:embed="rId4"/>
+          <a:stretch>
+            <a:fillRect/>
+          </a:stretch>
+        </p:blipFill>
+        <p:spPr>
+          <a:xfrm>
+            <a:off x="1983633" y="2741472"/>
+            <a:ext cx="8741568" cy="3141803"/>
+          </a:xfrm>
+          <a:prstGeom prst="rect">
+            <a:avLst/>
+          </a:prstGeom>
+        </p:spPr>
+      </p:pic>
+    </p:spTree>
+    <p:extLst>
+      <p:ext uri="{BB962C8B-B14F-4D97-AF65-F5344CB8AC3E}">
+        <p14:creationId xmlns:p14="http://schemas.microsoft.com/office/powerpoint/2010/main" val="4081679783"/>
       </p:ext>
     </p:extLst>
   </p:cSld>
@@ -4049,1045 +4142,7 @@
 </p:sld>
 </file>
 
-<file path=ppt/slides/slide3.xml><?xml version="1.0" encoding="utf-8"?>
-<p:sld xmlns:a="http://schemas.openxmlformats.org/drawingml/2006/main" xmlns:r="http://schemas.openxmlformats.org/officeDocument/2006/relationships" xmlns:p="http://schemas.openxmlformats.org/presentationml/2006/main">
-  <p:cSld>
-    <p:spTree>
-      <p:nvGrpSpPr>
-        <p:cNvPr id="1" name=""/>
-        <p:cNvGrpSpPr/>
-        <p:nvPr/>
-      </p:nvGrpSpPr>
-      <p:grpSpPr>
-        <a:xfrm>
-          <a:off x="0" y="0"/>
-          <a:ext cx="0" cy="0"/>
-          <a:chOff x="0" y="0"/>
-          <a:chExt cx="0" cy="0"/>
-        </a:xfrm>
-      </p:grpSpPr>
-      <p:sp>
-        <p:nvSpPr>
-          <p:cNvPr id="5" name="Заголовок 1">
-            <a:extLst>
-              <a:ext uri="{FF2B5EF4-FFF2-40B4-BE49-F238E27FC236}">
-                <a16:creationId xmlns:a16="http://schemas.microsoft.com/office/drawing/2014/main" id="{BEF283AE-CF7B-4BB6-AF64-13B560335867}"/>
-              </a:ext>
-            </a:extLst>
-          </p:cNvPr>
-          <p:cNvSpPr>
-            <a:spLocks noGrp="1"/>
-          </p:cNvSpPr>
-          <p:nvPr>
-            <p:ph type="title"/>
-          </p:nvPr>
-        </p:nvSpPr>
-        <p:spPr>
-          <a:xfrm>
-            <a:off x="1656521" y="974725"/>
-            <a:ext cx="9395792" cy="1251641"/>
-          </a:xfrm>
-        </p:spPr>
-        <p:txBody>
-          <a:bodyPr>
-            <a:noAutofit/>
-          </a:bodyPr>
-          <a:lstStyle/>
-          <a:p>
-            <a:pPr algn="ctr"/>
-            <a:r>
-              <a:rPr lang="ru-RU" sz="5400" b="1" dirty="0">
-                <a:ln w="13462">
-                  <a:solidFill>
-                    <a:schemeClr val="bg1"/>
-                  </a:solidFill>
-                  <a:prstDash val="solid"/>
-                </a:ln>
-                <a:solidFill>
-                  <a:schemeClr val="accent1">
-                    <a:lumMod val="50000"/>
-                  </a:schemeClr>
-                </a:solidFill>
-                <a:effectLst>
-                  <a:outerShdw dist="38100" dir="2700000" algn="bl" rotWithShape="0">
-                    <a:schemeClr val="accent5"/>
-                  </a:outerShdw>
-                </a:effectLst>
-                <a:latin typeface="Segoe Print" panose="02000600000000000000" pitchFamily="2" charset="0"/>
-              </a:rPr>
-              <a:t>Ход работы</a:t>
-            </a:r>
-          </a:p>
-        </p:txBody>
-      </p:sp>
-      <p:pic>
-        <p:nvPicPr>
-          <p:cNvPr id="3" name="Рисунок 2">
-            <a:extLst>
-              <a:ext uri="{FF2B5EF4-FFF2-40B4-BE49-F238E27FC236}">
-                <a16:creationId xmlns:a16="http://schemas.microsoft.com/office/drawing/2014/main" id="{387C769F-A6BF-433A-BF3C-CE99B3A1CC19}"/>
-              </a:ext>
-            </a:extLst>
-          </p:cNvPr>
-          <p:cNvPicPr>
-            <a:picLocks noChangeAspect="1"/>
-          </p:cNvPicPr>
-          <p:nvPr/>
-        </p:nvPicPr>
-        <p:blipFill>
-          <a:blip r:embed="rId3">
-            <a:extLst>
-              <a:ext uri="{28A0092B-C50C-407E-A947-70E740481C1C}">
-                <a14:useLocalDpi xmlns:a14="http://schemas.microsoft.com/office/drawing/2010/main" val="0"/>
-              </a:ext>
-            </a:extLst>
-          </a:blip>
-          <a:stretch>
-            <a:fillRect/>
-          </a:stretch>
-        </p:blipFill>
-        <p:spPr>
-          <a:xfrm>
-            <a:off x="777116" y="2183751"/>
-            <a:ext cx="2961444" cy="1974296"/>
-          </a:xfrm>
-          <a:prstGeom prst="rect">
-            <a:avLst/>
-          </a:prstGeom>
-        </p:spPr>
-      </p:pic>
-      <p:pic>
-        <p:nvPicPr>
-          <p:cNvPr id="8" name="Рисунок 7">
-            <a:extLst>
-              <a:ext uri="{FF2B5EF4-FFF2-40B4-BE49-F238E27FC236}">
-                <a16:creationId xmlns:a16="http://schemas.microsoft.com/office/drawing/2014/main" id="{E8AE8BC3-9B43-49F1-9EB3-D0A498CB30BD}"/>
-              </a:ext>
-            </a:extLst>
-          </p:cNvPr>
-          <p:cNvPicPr>
-            <a:picLocks noChangeAspect="1"/>
-          </p:cNvPicPr>
-          <p:nvPr/>
-        </p:nvPicPr>
-        <p:blipFill>
-          <a:blip r:embed="rId4">
-            <a:extLst>
-              <a:ext uri="{28A0092B-C50C-407E-A947-70E740481C1C}">
-                <a14:useLocalDpi xmlns:a14="http://schemas.microsoft.com/office/drawing/2010/main" val="0"/>
-              </a:ext>
-            </a:extLst>
-          </a:blip>
-          <a:stretch>
-            <a:fillRect/>
-          </a:stretch>
-        </p:blipFill>
-        <p:spPr>
-          <a:xfrm>
-            <a:off x="4776067" y="3429000"/>
-            <a:ext cx="2302565" cy="2302565"/>
-          </a:xfrm>
-          <a:prstGeom prst="rect">
-            <a:avLst/>
-          </a:prstGeom>
-        </p:spPr>
-      </p:pic>
-      <p:pic>
-        <p:nvPicPr>
-          <p:cNvPr id="10" name="Рисунок 9">
-            <a:extLst>
-              <a:ext uri="{FF2B5EF4-FFF2-40B4-BE49-F238E27FC236}">
-                <a16:creationId xmlns:a16="http://schemas.microsoft.com/office/drawing/2014/main" id="{E70F278D-408F-4315-B0EA-928072E4A9C7}"/>
-              </a:ext>
-            </a:extLst>
-          </p:cNvPr>
-          <p:cNvPicPr>
-            <a:picLocks noChangeAspect="1"/>
-          </p:cNvPicPr>
-          <p:nvPr/>
-        </p:nvPicPr>
-        <p:blipFill>
-          <a:blip r:embed="rId5">
-            <a:extLst>
-              <a:ext uri="{28A0092B-C50C-407E-A947-70E740481C1C}">
-                <a14:useLocalDpi xmlns:a14="http://schemas.microsoft.com/office/drawing/2010/main" val="0"/>
-              </a:ext>
-            </a:extLst>
-          </a:blip>
-          <a:stretch>
-            <a:fillRect/>
-          </a:stretch>
-        </p:blipFill>
-        <p:spPr>
-          <a:xfrm>
-            <a:off x="8235410" y="2120803"/>
-            <a:ext cx="2575961" cy="2651539"/>
-          </a:xfrm>
-          <a:prstGeom prst="rect">
-            <a:avLst/>
-          </a:prstGeom>
-        </p:spPr>
-      </p:pic>
-    </p:spTree>
-    <p:extLst>
-      <p:ext uri="{BB962C8B-B14F-4D97-AF65-F5344CB8AC3E}">
-        <p14:creationId xmlns:p14="http://schemas.microsoft.com/office/powerpoint/2010/main" val="1606849359"/>
-      </p:ext>
-    </p:extLst>
-  </p:cSld>
-  <p:clrMapOvr>
-    <a:masterClrMapping/>
-  </p:clrMapOvr>
-  <mc:AlternateContent xmlns:mc="http://schemas.openxmlformats.org/markup-compatibility/2006" xmlns:p15="http://schemas.microsoft.com/office/powerpoint/2012/main">
-    <mc:Choice Requires="p15">
-      <p:transition xmlns:p14="http://schemas.microsoft.com/office/powerpoint/2010/main" spd="slow" p14:dur="2000">
-        <p15:prstTrans prst="drape"/>
-        <p:sndAc>
-          <p:stSnd>
-            <p:snd r:embed="rId2" name="arrow.wav"/>
-          </p:stSnd>
-        </p:sndAc>
-      </p:transition>
-    </mc:Choice>
-    <mc:Fallback xmlns="">
-      <p:transition spd="slow">
-        <p:fade/>
-        <p:sndAc>
-          <p:stSnd>
-            <p:snd r:embed="rId6" name="arrow.wav"/>
-          </p:stSnd>
-        </p:sndAc>
-      </p:transition>
-    </mc:Fallback>
-  </mc:AlternateContent>
-</p:sld>
-</file>
-
-<file path=ppt/slides/slide4.xml><?xml version="1.0" encoding="utf-8"?>
-<p:sld xmlns:a="http://schemas.openxmlformats.org/drawingml/2006/main" xmlns:r="http://schemas.openxmlformats.org/officeDocument/2006/relationships" xmlns:p="http://schemas.openxmlformats.org/presentationml/2006/main">
-  <p:cSld>
-    <p:spTree>
-      <p:nvGrpSpPr>
-        <p:cNvPr id="1" name=""/>
-        <p:cNvGrpSpPr/>
-        <p:nvPr/>
-      </p:nvGrpSpPr>
-      <p:grpSpPr>
-        <a:xfrm>
-          <a:off x="0" y="0"/>
-          <a:ext cx="0" cy="0"/>
-          <a:chOff x="0" y="0"/>
-          <a:chExt cx="0" cy="0"/>
-        </a:xfrm>
-      </p:grpSpPr>
-      <p:sp>
-        <p:nvSpPr>
-          <p:cNvPr id="5" name="Заголовок 1">
-            <a:extLst>
-              <a:ext uri="{FF2B5EF4-FFF2-40B4-BE49-F238E27FC236}">
-                <a16:creationId xmlns:a16="http://schemas.microsoft.com/office/drawing/2014/main" id="{BEF283AE-CF7B-4BB6-AF64-13B560335867}"/>
-              </a:ext>
-            </a:extLst>
-          </p:cNvPr>
-          <p:cNvSpPr>
-            <a:spLocks noGrp="1"/>
-          </p:cNvSpPr>
-          <p:nvPr>
-            <p:ph type="title"/>
-          </p:nvPr>
-        </p:nvSpPr>
-        <p:spPr>
-          <a:xfrm>
-            <a:off x="1656521" y="974725"/>
-            <a:ext cx="9395792" cy="1251641"/>
-          </a:xfrm>
-        </p:spPr>
-        <p:txBody>
-          <a:bodyPr>
-            <a:noAutofit/>
-          </a:bodyPr>
-          <a:lstStyle/>
-          <a:p>
-            <a:pPr algn="ctr"/>
-            <a:r>
-              <a:rPr lang="ru-RU" sz="5400" b="1" dirty="0">
-                <a:ln w="13462">
-                  <a:solidFill>
-                    <a:schemeClr val="bg1"/>
-                  </a:solidFill>
-                  <a:prstDash val="solid"/>
-                </a:ln>
-                <a:solidFill>
-                  <a:schemeClr val="accent1">
-                    <a:lumMod val="50000"/>
-                  </a:schemeClr>
-                </a:solidFill>
-                <a:effectLst>
-                  <a:outerShdw dist="38100" dir="2700000" algn="bl" rotWithShape="0">
-                    <a:schemeClr val="accent5"/>
-                  </a:outerShdw>
-                </a:effectLst>
-                <a:latin typeface="Segoe Print" panose="02000600000000000000" pitchFamily="2" charset="0"/>
-              </a:rPr>
-              <a:t>Логотип и слоган</a:t>
-            </a:r>
-          </a:p>
-        </p:txBody>
-      </p:sp>
-      <p:pic>
-        <p:nvPicPr>
-          <p:cNvPr id="7" name="Рисунок 6">
-            <a:extLst>
-              <a:ext uri="{FF2B5EF4-FFF2-40B4-BE49-F238E27FC236}">
-                <a16:creationId xmlns:a16="http://schemas.microsoft.com/office/drawing/2014/main" id="{E3FE7937-76D0-4A9F-B9AF-D25FE36039EE}"/>
-              </a:ext>
-            </a:extLst>
-          </p:cNvPr>
-          <p:cNvPicPr>
-            <a:picLocks noChangeAspect="1"/>
-          </p:cNvPicPr>
-          <p:nvPr/>
-        </p:nvPicPr>
-        <p:blipFill>
-          <a:blip r:embed="rId3">
-            <a:extLst>
-              <a:ext uri="{28A0092B-C50C-407E-A947-70E740481C1C}">
-                <a14:useLocalDpi xmlns:a14="http://schemas.microsoft.com/office/drawing/2010/main" val="0"/>
-              </a:ext>
-            </a:extLst>
-          </a:blip>
-          <a:stretch>
-            <a:fillRect/>
-          </a:stretch>
-        </p:blipFill>
-        <p:spPr>
-          <a:xfrm>
-            <a:off x="5037747" y="2557670"/>
-            <a:ext cx="2116506" cy="2178603"/>
-          </a:xfrm>
-          <a:prstGeom prst="rect">
-            <a:avLst/>
-          </a:prstGeom>
-        </p:spPr>
-      </p:pic>
-      <p:pic>
-        <p:nvPicPr>
-          <p:cNvPr id="11" name="Рисунок 10">
-            <a:extLst>
-              <a:ext uri="{FF2B5EF4-FFF2-40B4-BE49-F238E27FC236}">
-                <a16:creationId xmlns:a16="http://schemas.microsoft.com/office/drawing/2014/main" id="{9BEE36B5-BB2D-4E15-88AB-A18D7DB4F3EE}"/>
-              </a:ext>
-            </a:extLst>
-          </p:cNvPr>
-          <p:cNvPicPr>
-            <a:picLocks noChangeAspect="1"/>
-          </p:cNvPicPr>
-          <p:nvPr/>
-        </p:nvPicPr>
-        <p:blipFill>
-          <a:blip r:embed="rId4">
-            <a:extLst>
-              <a:ext uri="{28A0092B-C50C-407E-A947-70E740481C1C}">
-                <a14:useLocalDpi xmlns:a14="http://schemas.microsoft.com/office/drawing/2010/main" val="0"/>
-              </a:ext>
-            </a:extLst>
-          </a:blip>
-          <a:stretch>
-            <a:fillRect/>
-          </a:stretch>
-        </p:blipFill>
-        <p:spPr>
-          <a:xfrm>
-            <a:off x="703110" y="2557670"/>
-            <a:ext cx="2116505" cy="2178603"/>
-          </a:xfrm>
-          <a:prstGeom prst="rect">
-            <a:avLst/>
-          </a:prstGeom>
-        </p:spPr>
-      </p:pic>
-      <p:pic>
-        <p:nvPicPr>
-          <p:cNvPr id="14" name="Рисунок 13">
-            <a:extLst>
-              <a:ext uri="{FF2B5EF4-FFF2-40B4-BE49-F238E27FC236}">
-                <a16:creationId xmlns:a16="http://schemas.microsoft.com/office/drawing/2014/main" id="{894B0CE2-D566-4B30-8B11-7DA088A54A16}"/>
-              </a:ext>
-            </a:extLst>
-          </p:cNvPr>
-          <p:cNvPicPr>
-            <a:picLocks noChangeAspect="1"/>
-          </p:cNvPicPr>
-          <p:nvPr/>
-        </p:nvPicPr>
-        <p:blipFill>
-          <a:blip r:embed="rId5">
-            <a:extLst>
-              <a:ext uri="{28A0092B-C50C-407E-A947-70E740481C1C}">
-                <a14:useLocalDpi xmlns:a14="http://schemas.microsoft.com/office/drawing/2010/main" val="0"/>
-              </a:ext>
-            </a:extLst>
-          </a:blip>
-          <a:stretch>
-            <a:fillRect/>
-          </a:stretch>
-        </p:blipFill>
-        <p:spPr>
-          <a:xfrm>
-            <a:off x="9372385" y="2557670"/>
-            <a:ext cx="2116505" cy="2178603"/>
-          </a:xfrm>
-          <a:prstGeom prst="rect">
-            <a:avLst/>
-          </a:prstGeom>
-        </p:spPr>
-      </p:pic>
-      <p:sp>
-        <p:nvSpPr>
-          <p:cNvPr id="2" name="Прямоугольник 1">
-            <a:extLst>
-              <a:ext uri="{FF2B5EF4-FFF2-40B4-BE49-F238E27FC236}">
-                <a16:creationId xmlns:a16="http://schemas.microsoft.com/office/drawing/2014/main" id="{4ABBDBAE-DF4D-47DC-9B9D-A81525ED178E}"/>
-              </a:ext>
-            </a:extLst>
-          </p:cNvPr>
-          <p:cNvSpPr/>
-          <p:nvPr/>
-        </p:nvSpPr>
-        <p:spPr>
-          <a:xfrm>
-            <a:off x="3660819" y="3185306"/>
-            <a:ext cx="535723" cy="923330"/>
-          </a:xfrm>
-          <a:prstGeom prst="rect">
-            <a:avLst/>
-          </a:prstGeom>
-          <a:noFill/>
-        </p:spPr>
-        <p:txBody>
-          <a:bodyPr wrap="none" lIns="91440" tIns="45720" rIns="91440" bIns="45720">
-            <a:spAutoFit/>
-          </a:bodyPr>
-          <a:lstStyle/>
-          <a:p>
-            <a:pPr algn="ctr"/>
-            <a:r>
-              <a:rPr lang="ru-RU" sz="5400" b="1" cap="none" spc="50" dirty="0">
-                <a:ln w="9525" cmpd="sng">
-                  <a:solidFill>
-                    <a:schemeClr val="accent1"/>
-                  </a:solidFill>
-                  <a:prstDash val="solid"/>
-                </a:ln>
-                <a:solidFill>
-                  <a:srgbClr val="70AD47">
-                    <a:tint val="1000"/>
-                  </a:srgbClr>
-                </a:solidFill>
-                <a:effectLst>
-                  <a:glow rad="38100">
-                    <a:schemeClr val="accent1">
-                      <a:alpha val="40000"/>
-                    </a:schemeClr>
-                  </a:glow>
-                </a:effectLst>
-              </a:rPr>
-              <a:t>+</a:t>
-            </a:r>
-          </a:p>
-        </p:txBody>
-      </p:sp>
-      <p:sp>
-        <p:nvSpPr>
-          <p:cNvPr id="8" name="Прямоугольник 7">
-            <a:extLst>
-              <a:ext uri="{FF2B5EF4-FFF2-40B4-BE49-F238E27FC236}">
-                <a16:creationId xmlns:a16="http://schemas.microsoft.com/office/drawing/2014/main" id="{CFF92D21-751E-40B7-B2CE-E3FF87B3AC87}"/>
-              </a:ext>
-            </a:extLst>
-          </p:cNvPr>
-          <p:cNvSpPr/>
-          <p:nvPr/>
-        </p:nvSpPr>
-        <p:spPr>
-          <a:xfrm>
-            <a:off x="7995456" y="3185306"/>
-            <a:ext cx="535724" cy="923330"/>
-          </a:xfrm>
-          <a:prstGeom prst="rect">
-            <a:avLst/>
-          </a:prstGeom>
-          <a:noFill/>
-        </p:spPr>
-        <p:txBody>
-          <a:bodyPr wrap="none" lIns="91440" tIns="45720" rIns="91440" bIns="45720">
-            <a:spAutoFit/>
-          </a:bodyPr>
-          <a:lstStyle/>
-          <a:p>
-            <a:pPr algn="ctr"/>
-            <a:r>
-              <a:rPr lang="ru-RU" sz="5400" b="1" spc="50" dirty="0">
-                <a:ln w="9525" cmpd="sng">
-                  <a:solidFill>
-                    <a:schemeClr val="accent1"/>
-                  </a:solidFill>
-                  <a:prstDash val="solid"/>
-                </a:ln>
-                <a:solidFill>
-                  <a:srgbClr val="70AD47">
-                    <a:tint val="1000"/>
-                  </a:srgbClr>
-                </a:solidFill>
-                <a:effectLst>
-                  <a:glow rad="38100">
-                    <a:schemeClr val="accent1">
-                      <a:alpha val="40000"/>
-                    </a:schemeClr>
-                  </a:glow>
-                </a:effectLst>
-              </a:rPr>
-              <a:t>=</a:t>
-            </a:r>
-            <a:endParaRPr lang="ru-RU" sz="5400" b="1" cap="none" spc="50" dirty="0">
-              <a:ln w="9525" cmpd="sng">
-                <a:solidFill>
-                  <a:schemeClr val="accent1"/>
-                </a:solidFill>
-                <a:prstDash val="solid"/>
-              </a:ln>
-              <a:solidFill>
-                <a:srgbClr val="70AD47">
-                  <a:tint val="1000"/>
-                </a:srgbClr>
-              </a:solidFill>
-              <a:effectLst>
-                <a:glow rad="38100">
-                  <a:schemeClr val="accent1">
-                    <a:alpha val="40000"/>
-                  </a:schemeClr>
-                </a:glow>
-              </a:effectLst>
-            </a:endParaRPr>
-          </a:p>
-        </p:txBody>
-      </p:sp>
-    </p:spTree>
-    <p:extLst>
-      <p:ext uri="{BB962C8B-B14F-4D97-AF65-F5344CB8AC3E}">
-        <p14:creationId xmlns:p14="http://schemas.microsoft.com/office/powerpoint/2010/main" val="435225498"/>
-      </p:ext>
-    </p:extLst>
-  </p:cSld>
-  <p:clrMapOvr>
-    <a:masterClrMapping/>
-  </p:clrMapOvr>
-  <mc:AlternateContent xmlns:mc="http://schemas.openxmlformats.org/markup-compatibility/2006" xmlns:p15="http://schemas.microsoft.com/office/powerpoint/2012/main">
-    <mc:Choice Requires="p15">
-      <p:transition xmlns:p14="http://schemas.microsoft.com/office/powerpoint/2010/main" spd="slow" p14:dur="2000">
-        <p15:prstTrans prst="drape"/>
-        <p:sndAc>
-          <p:stSnd>
-            <p:snd r:embed="rId2" name="arrow.wav"/>
-          </p:stSnd>
-        </p:sndAc>
-      </p:transition>
-    </mc:Choice>
-    <mc:Fallback xmlns="">
-      <p:transition spd="slow">
-        <p:fade/>
-        <p:sndAc>
-          <p:stSnd>
-            <p:snd r:embed="rId6" name="arrow.wav"/>
-          </p:stSnd>
-        </p:sndAc>
-      </p:transition>
-    </mc:Fallback>
-  </mc:AlternateContent>
-</p:sld>
-</file>
-
-<file path=ppt/slides/slide5.xml><?xml version="1.0" encoding="utf-8"?>
-<p:sld xmlns:a="http://schemas.openxmlformats.org/drawingml/2006/main" xmlns:r="http://schemas.openxmlformats.org/officeDocument/2006/relationships" xmlns:p="http://schemas.openxmlformats.org/presentationml/2006/main">
-  <p:cSld>
-    <p:spTree>
-      <p:nvGrpSpPr>
-        <p:cNvPr id="1" name=""/>
-        <p:cNvGrpSpPr/>
-        <p:nvPr/>
-      </p:nvGrpSpPr>
-      <p:grpSpPr>
-        <a:xfrm>
-          <a:off x="0" y="0"/>
-          <a:ext cx="0" cy="0"/>
-          <a:chOff x="0" y="0"/>
-          <a:chExt cx="0" cy="0"/>
-        </a:xfrm>
-      </p:grpSpPr>
-      <p:sp>
-        <p:nvSpPr>
-          <p:cNvPr id="5" name="Заголовок 1">
-            <a:extLst>
-              <a:ext uri="{FF2B5EF4-FFF2-40B4-BE49-F238E27FC236}">
-                <a16:creationId xmlns:a16="http://schemas.microsoft.com/office/drawing/2014/main" id="{BEF283AE-CF7B-4BB6-AF64-13B560335867}"/>
-              </a:ext>
-            </a:extLst>
-          </p:cNvPr>
-          <p:cNvSpPr>
-            <a:spLocks noGrp="1"/>
-          </p:cNvSpPr>
-          <p:nvPr>
-            <p:ph type="title"/>
-          </p:nvPr>
-        </p:nvSpPr>
-        <p:spPr>
-          <a:xfrm>
-            <a:off x="1669774" y="2803179"/>
-            <a:ext cx="9395792" cy="1251641"/>
-          </a:xfrm>
-        </p:spPr>
-        <p:txBody>
-          <a:bodyPr>
-            <a:noAutofit/>
-          </a:bodyPr>
-          <a:lstStyle/>
-          <a:p>
-            <a:pPr algn="ctr"/>
-            <a:r>
-              <a:rPr lang="ru-RU" sz="5400" b="1" dirty="0">
-                <a:ln w="13462">
-                  <a:solidFill>
-                    <a:schemeClr val="bg1"/>
-                  </a:solidFill>
-                  <a:prstDash val="solid"/>
-                </a:ln>
-                <a:solidFill>
-                  <a:schemeClr val="accent1">
-                    <a:lumMod val="50000"/>
-                  </a:schemeClr>
-                </a:solidFill>
-                <a:effectLst>
-                  <a:outerShdw dist="38100" dir="2700000" algn="bl" rotWithShape="0">
-                    <a:schemeClr val="accent5"/>
-                  </a:outerShdw>
-                </a:effectLst>
-                <a:latin typeface="Segoe Print" panose="02000600000000000000" pitchFamily="2" charset="0"/>
-              </a:rPr>
-              <a:t>Работа сайта</a:t>
-            </a:r>
-          </a:p>
-        </p:txBody>
-      </p:sp>
-    </p:spTree>
-    <p:extLst>
-      <p:ext uri="{BB962C8B-B14F-4D97-AF65-F5344CB8AC3E}">
-        <p14:creationId xmlns:p14="http://schemas.microsoft.com/office/powerpoint/2010/main" val="2631879854"/>
-      </p:ext>
-    </p:extLst>
-  </p:cSld>
-  <p:clrMapOvr>
-    <a:masterClrMapping/>
-  </p:clrMapOvr>
-  <mc:AlternateContent xmlns:mc="http://schemas.openxmlformats.org/markup-compatibility/2006" xmlns:p15="http://schemas.microsoft.com/office/powerpoint/2012/main">
-    <mc:Choice Requires="p15">
-      <p:transition xmlns:p14="http://schemas.microsoft.com/office/powerpoint/2010/main" spd="slow" p14:dur="2000">
-        <p15:prstTrans prst="drape"/>
-        <p:sndAc>
-          <p:stSnd>
-            <p:snd r:embed="rId2" name="arrow.wav"/>
-          </p:stSnd>
-        </p:sndAc>
-      </p:transition>
-    </mc:Choice>
-    <mc:Fallback xmlns="">
-      <p:transition spd="slow">
-        <p:fade/>
-        <p:sndAc>
-          <p:stSnd>
-            <p:snd r:embed="rId3" name="arrow.wav"/>
-          </p:stSnd>
-        </p:sndAc>
-      </p:transition>
-    </mc:Fallback>
-  </mc:AlternateContent>
-</p:sld>
-</file>
-
-<file path=ppt/slides/slide6.xml><?xml version="1.0" encoding="utf-8"?>
-<p:sld xmlns:a="http://schemas.openxmlformats.org/drawingml/2006/main" xmlns:r="http://schemas.openxmlformats.org/officeDocument/2006/relationships" xmlns:p="http://schemas.openxmlformats.org/presentationml/2006/main">
-  <p:cSld>
-    <p:spTree>
-      <p:nvGrpSpPr>
-        <p:cNvPr id="1" name=""/>
-        <p:cNvGrpSpPr/>
-        <p:nvPr/>
-      </p:nvGrpSpPr>
-      <p:grpSpPr>
-        <a:xfrm>
-          <a:off x="0" y="0"/>
-          <a:ext cx="0" cy="0"/>
-          <a:chOff x="0" y="0"/>
-          <a:chExt cx="0" cy="0"/>
-        </a:xfrm>
-      </p:grpSpPr>
-      <p:sp>
-        <p:nvSpPr>
-          <p:cNvPr id="5" name="Заголовок 1">
-            <a:extLst>
-              <a:ext uri="{FF2B5EF4-FFF2-40B4-BE49-F238E27FC236}">
-                <a16:creationId xmlns:a16="http://schemas.microsoft.com/office/drawing/2014/main" id="{BEF283AE-CF7B-4BB6-AF64-13B560335867}"/>
-              </a:ext>
-            </a:extLst>
-          </p:cNvPr>
-          <p:cNvSpPr>
-            <a:spLocks noGrp="1"/>
-          </p:cNvSpPr>
-          <p:nvPr>
-            <p:ph type="title"/>
-          </p:nvPr>
-        </p:nvSpPr>
-        <p:spPr>
-          <a:xfrm>
-            <a:off x="1656521" y="974725"/>
-            <a:ext cx="9395792" cy="1251641"/>
-          </a:xfrm>
-        </p:spPr>
-        <p:txBody>
-          <a:bodyPr>
-            <a:noAutofit/>
-          </a:bodyPr>
-          <a:lstStyle/>
-          <a:p>
-            <a:pPr algn="ctr"/>
-            <a:r>
-              <a:rPr lang="ru-RU" sz="5400" b="1" dirty="0">
-                <a:ln w="13462">
-                  <a:solidFill>
-                    <a:schemeClr val="bg1"/>
-                  </a:solidFill>
-                  <a:prstDash val="solid"/>
-                </a:ln>
-                <a:solidFill>
-                  <a:schemeClr val="accent1">
-                    <a:lumMod val="50000"/>
-                  </a:schemeClr>
-                </a:solidFill>
-                <a:effectLst>
-                  <a:outerShdw dist="38100" dir="2700000" algn="bl" rotWithShape="0">
-                    <a:schemeClr val="accent5"/>
-                  </a:outerShdw>
-                </a:effectLst>
-                <a:latin typeface="Segoe Print" panose="02000600000000000000" pitchFamily="2" charset="0"/>
-              </a:rPr>
-              <a:t>Домашняя страница</a:t>
-            </a:r>
-          </a:p>
-        </p:txBody>
-      </p:sp>
-      <p:pic>
-        <p:nvPicPr>
-          <p:cNvPr id="9" name="Рисунок 8">
-            <a:extLst>
-              <a:ext uri="{FF2B5EF4-FFF2-40B4-BE49-F238E27FC236}">
-                <a16:creationId xmlns:a16="http://schemas.microsoft.com/office/drawing/2014/main" id="{D3CA975E-960C-456F-93CD-D43F6C7F93F6}"/>
-              </a:ext>
-            </a:extLst>
-          </p:cNvPr>
-          <p:cNvPicPr>
-            <a:picLocks noChangeAspect="1"/>
-          </p:cNvPicPr>
-          <p:nvPr/>
-        </p:nvPicPr>
-        <p:blipFill>
-          <a:blip r:embed="rId3"/>
-          <a:stretch>
-            <a:fillRect/>
-          </a:stretch>
-        </p:blipFill>
-        <p:spPr>
-          <a:xfrm>
-            <a:off x="463826" y="2316105"/>
-            <a:ext cx="8136835" cy="3812280"/>
-          </a:xfrm>
-          <a:prstGeom prst="rect">
-            <a:avLst/>
-          </a:prstGeom>
-        </p:spPr>
-      </p:pic>
-      <p:pic>
-        <p:nvPicPr>
-          <p:cNvPr id="4" name="Рисунок 3">
-            <a:extLst>
-              <a:ext uri="{FF2B5EF4-FFF2-40B4-BE49-F238E27FC236}">
-                <a16:creationId xmlns:a16="http://schemas.microsoft.com/office/drawing/2014/main" id="{9FE31F8A-88CC-4B95-8FC9-83A18F978E52}"/>
-              </a:ext>
-            </a:extLst>
-          </p:cNvPr>
-          <p:cNvPicPr>
-            <a:picLocks noChangeAspect="1"/>
-          </p:cNvPicPr>
-          <p:nvPr/>
-        </p:nvPicPr>
-        <p:blipFill>
-          <a:blip r:embed="rId4">
-            <a:extLst>
-              <a:ext uri="{28A0092B-C50C-407E-A947-70E740481C1C}">
-                <a14:useLocalDpi xmlns:a14="http://schemas.microsoft.com/office/drawing/2010/main" val="0"/>
-              </a:ext>
-            </a:extLst>
-          </a:blip>
-          <a:stretch>
-            <a:fillRect/>
-          </a:stretch>
-        </p:blipFill>
-        <p:spPr>
-          <a:xfrm>
-            <a:off x="9528313" y="2316105"/>
-            <a:ext cx="1524000" cy="1524000"/>
-          </a:xfrm>
-          <a:prstGeom prst="rect">
-            <a:avLst/>
-          </a:prstGeom>
-        </p:spPr>
-      </p:pic>
-      <p:pic>
-        <p:nvPicPr>
-          <p:cNvPr id="12" name="Рисунок 11">
-            <a:extLst>
-              <a:ext uri="{FF2B5EF4-FFF2-40B4-BE49-F238E27FC236}">
-                <a16:creationId xmlns:a16="http://schemas.microsoft.com/office/drawing/2014/main" id="{A84D43F2-5EFF-45C2-ABF4-C67B07333A55}"/>
-              </a:ext>
-            </a:extLst>
-          </p:cNvPr>
-          <p:cNvPicPr>
-            <a:picLocks noChangeAspect="1"/>
-          </p:cNvPicPr>
-          <p:nvPr/>
-        </p:nvPicPr>
-        <p:blipFill>
-          <a:blip r:embed="rId5">
-            <a:extLst>
-              <a:ext uri="{28A0092B-C50C-407E-A947-70E740481C1C}">
-                <a14:useLocalDpi xmlns:a14="http://schemas.microsoft.com/office/drawing/2010/main" val="0"/>
-              </a:ext>
-            </a:extLst>
-          </a:blip>
-          <a:stretch>
-            <a:fillRect/>
-          </a:stretch>
-        </p:blipFill>
-        <p:spPr>
-          <a:xfrm>
-            <a:off x="9213988" y="4369490"/>
-            <a:ext cx="2152650" cy="742950"/>
-          </a:xfrm>
-          <a:prstGeom prst="rect">
-            <a:avLst/>
-          </a:prstGeom>
-        </p:spPr>
-      </p:pic>
-    </p:spTree>
-    <p:extLst>
-      <p:ext uri="{BB962C8B-B14F-4D97-AF65-F5344CB8AC3E}">
-        <p14:creationId xmlns:p14="http://schemas.microsoft.com/office/powerpoint/2010/main" val="1706647232"/>
-      </p:ext>
-    </p:extLst>
-  </p:cSld>
-  <p:clrMapOvr>
-    <a:masterClrMapping/>
-  </p:clrMapOvr>
-  <mc:AlternateContent xmlns:mc="http://schemas.openxmlformats.org/markup-compatibility/2006" xmlns:p15="http://schemas.microsoft.com/office/powerpoint/2012/main">
-    <mc:Choice Requires="p15">
-      <p:transition xmlns:p14="http://schemas.microsoft.com/office/powerpoint/2010/main" spd="slow" p14:dur="2000">
-        <p15:prstTrans prst="drape"/>
-        <p:sndAc>
-          <p:stSnd>
-            <p:snd r:embed="rId2" name="arrow.wav"/>
-          </p:stSnd>
-        </p:sndAc>
-      </p:transition>
-    </mc:Choice>
-    <mc:Fallback xmlns="">
-      <p:transition spd="slow">
-        <p:fade/>
-        <p:sndAc>
-          <p:stSnd>
-            <p:snd r:embed="rId6" name="arrow.wav"/>
-          </p:stSnd>
-        </p:sndAc>
-      </p:transition>
-    </mc:Fallback>
-  </mc:AlternateContent>
-</p:sld>
-</file>
-
-<file path=ppt/slides/slide7.xml><?xml version="1.0" encoding="utf-8"?>
-<p:sld xmlns:a="http://schemas.openxmlformats.org/drawingml/2006/main" xmlns:r="http://schemas.openxmlformats.org/officeDocument/2006/relationships" xmlns:p="http://schemas.openxmlformats.org/presentationml/2006/main">
-  <p:cSld>
-    <p:spTree>
-      <p:nvGrpSpPr>
-        <p:cNvPr id="1" name=""/>
-        <p:cNvGrpSpPr/>
-        <p:nvPr/>
-      </p:nvGrpSpPr>
-      <p:grpSpPr>
-        <a:xfrm>
-          <a:off x="0" y="0"/>
-          <a:ext cx="0" cy="0"/>
-          <a:chOff x="0" y="0"/>
-          <a:chExt cx="0" cy="0"/>
-        </a:xfrm>
-      </p:grpSpPr>
-      <p:sp>
-        <p:nvSpPr>
-          <p:cNvPr id="5" name="Заголовок 1">
-            <a:extLst>
-              <a:ext uri="{FF2B5EF4-FFF2-40B4-BE49-F238E27FC236}">
-                <a16:creationId xmlns:a16="http://schemas.microsoft.com/office/drawing/2014/main" id="{BEF283AE-CF7B-4BB6-AF64-13B560335867}"/>
-              </a:ext>
-            </a:extLst>
-          </p:cNvPr>
-          <p:cNvSpPr>
-            <a:spLocks noGrp="1"/>
-          </p:cNvSpPr>
-          <p:nvPr>
-            <p:ph type="title"/>
-          </p:nvPr>
-        </p:nvSpPr>
-        <p:spPr>
-          <a:xfrm>
-            <a:off x="1656521" y="974725"/>
-            <a:ext cx="9395792" cy="1251641"/>
-          </a:xfrm>
-        </p:spPr>
-        <p:txBody>
-          <a:bodyPr>
-            <a:noAutofit/>
-          </a:bodyPr>
-          <a:lstStyle/>
-          <a:p>
-            <a:pPr algn="ctr"/>
-            <a:r>
-              <a:rPr lang="ru-RU" sz="5400" b="1" dirty="0">
-                <a:ln w="13462">
-                  <a:solidFill>
-                    <a:schemeClr val="bg1"/>
-                  </a:solidFill>
-                  <a:prstDash val="solid"/>
-                </a:ln>
-                <a:solidFill>
-                  <a:schemeClr val="accent1">
-                    <a:lumMod val="50000"/>
-                  </a:schemeClr>
-                </a:solidFill>
-                <a:effectLst>
-                  <a:outerShdw dist="38100" dir="2700000" algn="bl" rotWithShape="0">
-                    <a:schemeClr val="accent5"/>
-                  </a:outerShdw>
-                </a:effectLst>
-                <a:latin typeface="Segoe Print" panose="02000600000000000000" pitchFamily="2" charset="0"/>
-              </a:rPr>
-              <a:t>Главная страница</a:t>
-            </a:r>
-          </a:p>
-        </p:txBody>
-      </p:sp>
-      <p:pic>
-        <p:nvPicPr>
-          <p:cNvPr id="3" name="Рисунок 2">
-            <a:extLst>
-              <a:ext uri="{FF2B5EF4-FFF2-40B4-BE49-F238E27FC236}">
-                <a16:creationId xmlns:a16="http://schemas.microsoft.com/office/drawing/2014/main" id="{8058E973-D743-4DF7-9118-060DFF4CD25F}"/>
-              </a:ext>
-            </a:extLst>
-          </p:cNvPr>
-          <p:cNvPicPr>
-            <a:picLocks noChangeAspect="1"/>
-          </p:cNvPicPr>
-          <p:nvPr/>
-        </p:nvPicPr>
-        <p:blipFill>
-          <a:blip r:embed="rId3"/>
-          <a:stretch>
-            <a:fillRect/>
-          </a:stretch>
-        </p:blipFill>
-        <p:spPr>
-          <a:xfrm>
-            <a:off x="6096000" y="2101044"/>
-            <a:ext cx="5375772" cy="2530591"/>
-          </a:xfrm>
-          <a:prstGeom prst="rect">
-            <a:avLst/>
-          </a:prstGeom>
-        </p:spPr>
-      </p:pic>
-      <p:pic>
-        <p:nvPicPr>
-          <p:cNvPr id="7" name="Рисунок 6">
-            <a:extLst>
-              <a:ext uri="{FF2B5EF4-FFF2-40B4-BE49-F238E27FC236}">
-                <a16:creationId xmlns:a16="http://schemas.microsoft.com/office/drawing/2014/main" id="{33CBE500-1FD6-4C21-9C7E-DD4DA42F4F08}"/>
-              </a:ext>
-            </a:extLst>
-          </p:cNvPr>
-          <p:cNvPicPr>
-            <a:picLocks noChangeAspect="1"/>
-          </p:cNvPicPr>
-          <p:nvPr/>
-        </p:nvPicPr>
-        <p:blipFill>
-          <a:blip r:embed="rId4"/>
-          <a:stretch>
-            <a:fillRect/>
-          </a:stretch>
-        </p:blipFill>
-        <p:spPr>
-          <a:xfrm>
-            <a:off x="212033" y="3949149"/>
-            <a:ext cx="5663291" cy="2668282"/>
-          </a:xfrm>
-          <a:prstGeom prst="rect">
-            <a:avLst/>
-          </a:prstGeom>
-        </p:spPr>
-      </p:pic>
-    </p:spTree>
-    <p:extLst>
-      <p:ext uri="{BB962C8B-B14F-4D97-AF65-F5344CB8AC3E}">
-        <p14:creationId xmlns:p14="http://schemas.microsoft.com/office/powerpoint/2010/main" val="244554092"/>
-      </p:ext>
-    </p:extLst>
-  </p:cSld>
-  <p:clrMapOvr>
-    <a:masterClrMapping/>
-  </p:clrMapOvr>
-  <mc:AlternateContent xmlns:mc="http://schemas.openxmlformats.org/markup-compatibility/2006" xmlns:p15="http://schemas.microsoft.com/office/powerpoint/2012/main">
-    <mc:Choice Requires="p15">
-      <p:transition xmlns:p14="http://schemas.microsoft.com/office/powerpoint/2010/main" spd="slow" p14:dur="2000">
-        <p15:prstTrans prst="drape"/>
-        <p:sndAc>
-          <p:stSnd>
-            <p:snd r:embed="rId2" name="arrow.wav"/>
-          </p:stSnd>
-        </p:sndAc>
-      </p:transition>
-    </mc:Choice>
-    <mc:Fallback xmlns="">
-      <p:transition spd="slow">
-        <p:fade/>
-        <p:sndAc>
-          <p:stSnd>
-            <p:snd r:embed="rId5" name="arrow.wav"/>
-          </p:stSnd>
-        </p:sndAc>
-      </p:transition>
-    </mc:Fallback>
-  </mc:AlternateContent>
-</p:sld>
-</file>
-
-<file path=ppt/slides/slide8.xml><?xml version="1.0" encoding="utf-8"?>
+<file path=ppt/slides/slide12.xml><?xml version="1.0" encoding="utf-8"?>
 <p:sld xmlns:a="http://schemas.openxmlformats.org/drawingml/2006/main" xmlns:r="http://schemas.openxmlformats.org/officeDocument/2006/relationships" xmlns:p="http://schemas.openxmlformats.org/presentationml/2006/main">
   <p:cSld>
     <p:spTree>
@@ -5253,7 +4308,7 @@
 </p:sld>
 </file>
 
-<file path=ppt/slides/slide9.xml><?xml version="1.0" encoding="utf-8"?>
+<file path=ppt/slides/slide13.xml><?xml version="1.0" encoding="utf-8"?>
 <p:sld xmlns:a="http://schemas.openxmlformats.org/drawingml/2006/main" xmlns:r="http://schemas.openxmlformats.org/officeDocument/2006/relationships" xmlns:p="http://schemas.openxmlformats.org/presentationml/2006/main">
   <p:cSld>
     <p:spTree>
@@ -5567,6 +4622,1628 @@
     <p:extLst>
       <p:ext uri="{BB962C8B-B14F-4D97-AF65-F5344CB8AC3E}">
         <p14:creationId xmlns:p14="http://schemas.microsoft.com/office/powerpoint/2010/main" val="3897452654"/>
+      </p:ext>
+    </p:extLst>
+  </p:cSld>
+  <p:clrMapOvr>
+    <a:masterClrMapping/>
+  </p:clrMapOvr>
+  <mc:AlternateContent xmlns:mc="http://schemas.openxmlformats.org/markup-compatibility/2006" xmlns:p15="http://schemas.microsoft.com/office/powerpoint/2012/main">
+    <mc:Choice Requires="p15">
+      <p:transition xmlns:p14="http://schemas.microsoft.com/office/powerpoint/2010/main" spd="slow" p14:dur="2000">
+        <p15:prstTrans prst="drape"/>
+        <p:sndAc>
+          <p:stSnd>
+            <p:snd r:embed="rId2" name="arrow.wav"/>
+          </p:stSnd>
+        </p:sndAc>
+      </p:transition>
+    </mc:Choice>
+    <mc:Fallback xmlns="">
+      <p:transition spd="slow">
+        <p:fade/>
+        <p:sndAc>
+          <p:stSnd>
+            <p:snd r:embed="rId5" name="arrow.wav"/>
+          </p:stSnd>
+        </p:sndAc>
+      </p:transition>
+    </mc:Fallback>
+  </mc:AlternateContent>
+</p:sld>
+</file>
+
+<file path=ppt/slides/slide14.xml><?xml version="1.0" encoding="utf-8"?>
+<p:sld xmlns:a="http://schemas.openxmlformats.org/drawingml/2006/main" xmlns:r="http://schemas.openxmlformats.org/officeDocument/2006/relationships" xmlns:p="http://schemas.openxmlformats.org/presentationml/2006/main">
+  <p:cSld>
+    <p:spTree>
+      <p:nvGrpSpPr>
+        <p:cNvPr id="1" name=""/>
+        <p:cNvGrpSpPr/>
+        <p:nvPr/>
+      </p:nvGrpSpPr>
+      <p:grpSpPr>
+        <a:xfrm>
+          <a:off x="0" y="0"/>
+          <a:ext cx="0" cy="0"/>
+          <a:chOff x="0" y="0"/>
+          <a:chExt cx="0" cy="0"/>
+        </a:xfrm>
+      </p:grpSpPr>
+      <p:sp>
+        <p:nvSpPr>
+          <p:cNvPr id="2" name="Заголовок 1">
+            <a:extLst>
+              <a:ext uri="{FF2B5EF4-FFF2-40B4-BE49-F238E27FC236}">
+                <a16:creationId xmlns:a16="http://schemas.microsoft.com/office/drawing/2014/main" id="{88ED6846-BBC9-44A5-AD14-26AB49C78110}"/>
+              </a:ext>
+            </a:extLst>
+          </p:cNvPr>
+          <p:cNvSpPr>
+            <a:spLocks noGrp="1"/>
+          </p:cNvSpPr>
+          <p:nvPr>
+            <p:ph type="ctrTitle"/>
+          </p:nvPr>
+        </p:nvSpPr>
+        <p:spPr>
+          <a:xfrm>
+            <a:off x="669235" y="1652450"/>
+            <a:ext cx="10853530" cy="2387600"/>
+          </a:xfrm>
+        </p:spPr>
+        <p:txBody>
+          <a:bodyPr/>
+          <a:lstStyle/>
+          <a:p>
+            <a:r>
+              <a:rPr lang="ru-RU" sz="8000" dirty="0">
+                <a:solidFill>
+                  <a:srgbClr val="002060"/>
+                </a:solidFill>
+                <a:latin typeface="Brush Script MT" panose="03060802040406070304" pitchFamily="66" charset="0"/>
+              </a:rPr>
+              <a:t>Спасибо за внимание!</a:t>
+            </a:r>
+            <a:endParaRPr lang="ru-RU" sz="8000" dirty="0">
+              <a:solidFill>
+                <a:srgbClr val="002060"/>
+              </a:solidFill>
+            </a:endParaRPr>
+          </a:p>
+        </p:txBody>
+      </p:sp>
+    </p:spTree>
+    <p:extLst>
+      <p:ext uri="{BB962C8B-B14F-4D97-AF65-F5344CB8AC3E}">
+        <p14:creationId xmlns:p14="http://schemas.microsoft.com/office/powerpoint/2010/main" val="2351988604"/>
+      </p:ext>
+    </p:extLst>
+  </p:cSld>
+  <p:clrMapOvr>
+    <a:masterClrMapping/>
+  </p:clrMapOvr>
+</p:sld>
+</file>
+
+<file path=ppt/slides/slide2.xml><?xml version="1.0" encoding="utf-8"?>
+<p:sld xmlns:a="http://schemas.openxmlformats.org/drawingml/2006/main" xmlns:r="http://schemas.openxmlformats.org/officeDocument/2006/relationships" xmlns:p="http://schemas.openxmlformats.org/presentationml/2006/main">
+  <p:cSld>
+    <p:spTree>
+      <p:nvGrpSpPr>
+        <p:cNvPr id="1" name=""/>
+        <p:cNvGrpSpPr/>
+        <p:nvPr/>
+      </p:nvGrpSpPr>
+      <p:grpSpPr>
+        <a:xfrm>
+          <a:off x="0" y="0"/>
+          <a:ext cx="0" cy="0"/>
+          <a:chOff x="0" y="0"/>
+          <a:chExt cx="0" cy="0"/>
+        </a:xfrm>
+      </p:grpSpPr>
+      <p:sp>
+        <p:nvSpPr>
+          <p:cNvPr id="7" name="Заголовок 1">
+            <a:extLst>
+              <a:ext uri="{FF2B5EF4-FFF2-40B4-BE49-F238E27FC236}">
+                <a16:creationId xmlns:a16="http://schemas.microsoft.com/office/drawing/2014/main" id="{EAB67C05-3CB2-4A04-8BFB-5C8512AE4613}"/>
+              </a:ext>
+            </a:extLst>
+          </p:cNvPr>
+          <p:cNvSpPr>
+            <a:spLocks noGrp="1"/>
+          </p:cNvSpPr>
+          <p:nvPr>
+            <p:ph type="title"/>
+          </p:nvPr>
+        </p:nvSpPr>
+        <p:spPr>
+          <a:xfrm>
+            <a:off x="1656521" y="974725"/>
+            <a:ext cx="9395792" cy="1251641"/>
+          </a:xfrm>
+        </p:spPr>
+        <p:txBody>
+          <a:bodyPr>
+            <a:noAutofit/>
+          </a:bodyPr>
+          <a:lstStyle/>
+          <a:p>
+            <a:pPr algn="ctr"/>
+            <a:r>
+              <a:rPr lang="ru-RU" sz="5400" b="1" dirty="0">
+                <a:ln w="13462">
+                  <a:solidFill>
+                    <a:schemeClr val="bg1"/>
+                  </a:solidFill>
+                  <a:prstDash val="solid"/>
+                </a:ln>
+                <a:solidFill>
+                  <a:schemeClr val="accent1">
+                    <a:lumMod val="50000"/>
+                  </a:schemeClr>
+                </a:solidFill>
+                <a:effectLst>
+                  <a:outerShdw dist="38100" dir="2700000" algn="bl" rotWithShape="0">
+                    <a:schemeClr val="accent5"/>
+                  </a:outerShdw>
+                </a:effectLst>
+                <a:latin typeface="Segoe Print" panose="02000600000000000000" pitchFamily="2" charset="0"/>
+              </a:rPr>
+              <a:t>Цели и задачи проекта</a:t>
+            </a:r>
+          </a:p>
+        </p:txBody>
+      </p:sp>
+      <p:pic>
+        <p:nvPicPr>
+          <p:cNvPr id="1026" name="Picture 2">
+            <a:extLst>
+              <a:ext uri="{FF2B5EF4-FFF2-40B4-BE49-F238E27FC236}">
+                <a16:creationId xmlns:a16="http://schemas.microsoft.com/office/drawing/2014/main" id="{79BD5AF3-7E04-4A78-8B9B-8E22C835E0F3}"/>
+              </a:ext>
+            </a:extLst>
+          </p:cNvPr>
+          <p:cNvPicPr>
+            <a:picLocks noChangeAspect="1" noChangeArrowheads="1"/>
+          </p:cNvPicPr>
+          <p:nvPr/>
+        </p:nvPicPr>
+        <p:blipFill>
+          <a:blip r:embed="rId3">
+            <a:extLst>
+              <a:ext uri="{28A0092B-C50C-407E-A947-70E740481C1C}">
+                <a14:useLocalDpi xmlns:a14="http://schemas.microsoft.com/office/drawing/2010/main" val="0"/>
+              </a:ext>
+            </a:extLst>
+          </a:blip>
+          <a:srcRect/>
+          <a:stretch>
+            <a:fillRect/>
+          </a:stretch>
+        </p:blipFill>
+        <p:spPr bwMode="auto">
+          <a:xfrm>
+            <a:off x="2970214" y="2486388"/>
+            <a:ext cx="2516188" cy="3234137"/>
+          </a:xfrm>
+          <a:prstGeom prst="rect">
+            <a:avLst/>
+          </a:prstGeom>
+          <a:noFill/>
+          <a:extLst>
+            <a:ext uri="{909E8E84-426E-40DD-AFC4-6F175D3DCCD1}">
+              <a14:hiddenFill xmlns:a14="http://schemas.microsoft.com/office/drawing/2010/main">
+                <a:solidFill>
+                  <a:srgbClr val="FFFFFF"/>
+                </a:solidFill>
+              </a14:hiddenFill>
+            </a:ext>
+          </a:extLst>
+        </p:spPr>
+      </p:pic>
+      <p:pic>
+        <p:nvPicPr>
+          <p:cNvPr id="1028" name="Picture 4">
+            <a:extLst>
+              <a:ext uri="{FF2B5EF4-FFF2-40B4-BE49-F238E27FC236}">
+                <a16:creationId xmlns:a16="http://schemas.microsoft.com/office/drawing/2014/main" id="{D581A872-5C4B-4CC5-B6E7-129C6AB8128B}"/>
+              </a:ext>
+            </a:extLst>
+          </p:cNvPr>
+          <p:cNvPicPr>
+            <a:picLocks noChangeAspect="1" noChangeArrowheads="1"/>
+          </p:cNvPicPr>
+          <p:nvPr/>
+        </p:nvPicPr>
+        <p:blipFill>
+          <a:blip r:embed="rId4">
+            <a:extLst>
+              <a:ext uri="{28A0092B-C50C-407E-A947-70E740481C1C}">
+                <a14:useLocalDpi xmlns:a14="http://schemas.microsoft.com/office/drawing/2010/main" val="0"/>
+              </a:ext>
+            </a:extLst>
+          </a:blip>
+          <a:srcRect/>
+          <a:stretch>
+            <a:fillRect/>
+          </a:stretch>
+        </p:blipFill>
+        <p:spPr bwMode="auto">
+          <a:xfrm>
+            <a:off x="5035826" y="2060965"/>
+            <a:ext cx="7262191" cy="4084982"/>
+          </a:xfrm>
+          <a:prstGeom prst="rect">
+            <a:avLst/>
+          </a:prstGeom>
+          <a:noFill/>
+          <a:extLst>
+            <a:ext uri="{909E8E84-426E-40DD-AFC4-6F175D3DCCD1}">
+              <a14:hiddenFill xmlns:a14="http://schemas.microsoft.com/office/drawing/2010/main">
+                <a:solidFill>
+                  <a:srgbClr val="FFFFFF"/>
+                </a:solidFill>
+              </a14:hiddenFill>
+            </a:ext>
+          </a:extLst>
+        </p:spPr>
+      </p:pic>
+    </p:spTree>
+    <p:extLst>
+      <p:ext uri="{BB962C8B-B14F-4D97-AF65-F5344CB8AC3E}">
+        <p14:creationId xmlns:p14="http://schemas.microsoft.com/office/powerpoint/2010/main" val="3519849113"/>
+      </p:ext>
+    </p:extLst>
+  </p:cSld>
+  <p:clrMapOvr>
+    <a:masterClrMapping/>
+  </p:clrMapOvr>
+  <mc:AlternateContent xmlns:mc="http://schemas.openxmlformats.org/markup-compatibility/2006" xmlns:p15="http://schemas.microsoft.com/office/powerpoint/2012/main">
+    <mc:Choice Requires="p15">
+      <p:transition xmlns:p14="http://schemas.microsoft.com/office/powerpoint/2010/main" spd="slow" p14:dur="2000">
+        <p15:prstTrans prst="drape"/>
+        <p:sndAc>
+          <p:stSnd>
+            <p:snd r:embed="rId2" name="arrow.wav"/>
+          </p:stSnd>
+        </p:sndAc>
+      </p:transition>
+    </mc:Choice>
+    <mc:Fallback xmlns="">
+      <p:transition spd="slow">
+        <p:fade/>
+        <p:sndAc>
+          <p:stSnd>
+            <p:snd r:embed="rId5" name="arrow.wav"/>
+          </p:stSnd>
+        </p:sndAc>
+      </p:transition>
+    </mc:Fallback>
+  </mc:AlternateContent>
+</p:sld>
+</file>
+
+<file path=ppt/slides/slide3.xml><?xml version="1.0" encoding="utf-8"?>
+<p:sld xmlns:a="http://schemas.openxmlformats.org/drawingml/2006/main" xmlns:r="http://schemas.openxmlformats.org/officeDocument/2006/relationships" xmlns:p="http://schemas.openxmlformats.org/presentationml/2006/main">
+  <p:cSld>
+    <p:spTree>
+      <p:nvGrpSpPr>
+        <p:cNvPr id="1" name=""/>
+        <p:cNvGrpSpPr/>
+        <p:nvPr/>
+      </p:nvGrpSpPr>
+      <p:grpSpPr>
+        <a:xfrm>
+          <a:off x="0" y="0"/>
+          <a:ext cx="0" cy="0"/>
+          <a:chOff x="0" y="0"/>
+          <a:chExt cx="0" cy="0"/>
+        </a:xfrm>
+      </p:grpSpPr>
+      <p:sp>
+        <p:nvSpPr>
+          <p:cNvPr id="5" name="Заголовок 1">
+            <a:extLst>
+              <a:ext uri="{FF2B5EF4-FFF2-40B4-BE49-F238E27FC236}">
+                <a16:creationId xmlns:a16="http://schemas.microsoft.com/office/drawing/2014/main" id="{BEF283AE-CF7B-4BB6-AF64-13B560335867}"/>
+              </a:ext>
+            </a:extLst>
+          </p:cNvPr>
+          <p:cNvSpPr>
+            <a:spLocks noGrp="1"/>
+          </p:cNvSpPr>
+          <p:nvPr>
+            <p:ph type="title"/>
+          </p:nvPr>
+        </p:nvSpPr>
+        <p:spPr>
+          <a:xfrm>
+            <a:off x="1656521" y="974725"/>
+            <a:ext cx="9395792" cy="1251641"/>
+          </a:xfrm>
+        </p:spPr>
+        <p:txBody>
+          <a:bodyPr>
+            <a:noAutofit/>
+          </a:bodyPr>
+          <a:lstStyle/>
+          <a:p>
+            <a:pPr algn="ctr"/>
+            <a:r>
+              <a:rPr lang="ru-RU" sz="5400" b="1" dirty="0">
+                <a:ln w="13462">
+                  <a:solidFill>
+                    <a:schemeClr val="bg1"/>
+                  </a:solidFill>
+                  <a:prstDash val="solid"/>
+                </a:ln>
+                <a:solidFill>
+                  <a:schemeClr val="accent1">
+                    <a:lumMod val="50000"/>
+                  </a:schemeClr>
+                </a:solidFill>
+                <a:effectLst>
+                  <a:outerShdw dist="38100" dir="2700000" algn="bl" rotWithShape="0">
+                    <a:schemeClr val="accent5"/>
+                  </a:outerShdw>
+                </a:effectLst>
+                <a:latin typeface="Segoe Print" panose="02000600000000000000" pitchFamily="2" charset="0"/>
+              </a:rPr>
+              <a:t>Ход работы</a:t>
+            </a:r>
+          </a:p>
+        </p:txBody>
+      </p:sp>
+      <p:pic>
+        <p:nvPicPr>
+          <p:cNvPr id="3" name="Рисунок 2">
+            <a:extLst>
+              <a:ext uri="{FF2B5EF4-FFF2-40B4-BE49-F238E27FC236}">
+                <a16:creationId xmlns:a16="http://schemas.microsoft.com/office/drawing/2014/main" id="{387C769F-A6BF-433A-BF3C-CE99B3A1CC19}"/>
+              </a:ext>
+            </a:extLst>
+          </p:cNvPr>
+          <p:cNvPicPr>
+            <a:picLocks noChangeAspect="1"/>
+          </p:cNvPicPr>
+          <p:nvPr/>
+        </p:nvPicPr>
+        <p:blipFill>
+          <a:blip r:embed="rId3">
+            <a:extLst>
+              <a:ext uri="{28A0092B-C50C-407E-A947-70E740481C1C}">
+                <a14:useLocalDpi xmlns:a14="http://schemas.microsoft.com/office/drawing/2010/main" val="0"/>
+              </a:ext>
+            </a:extLst>
+          </a:blip>
+          <a:stretch>
+            <a:fillRect/>
+          </a:stretch>
+        </p:blipFill>
+        <p:spPr>
+          <a:xfrm>
+            <a:off x="777116" y="2183751"/>
+            <a:ext cx="2961444" cy="1974296"/>
+          </a:xfrm>
+          <a:prstGeom prst="rect">
+            <a:avLst/>
+          </a:prstGeom>
+        </p:spPr>
+      </p:pic>
+      <p:pic>
+        <p:nvPicPr>
+          <p:cNvPr id="8" name="Рисунок 7">
+            <a:extLst>
+              <a:ext uri="{FF2B5EF4-FFF2-40B4-BE49-F238E27FC236}">
+                <a16:creationId xmlns:a16="http://schemas.microsoft.com/office/drawing/2014/main" id="{E8AE8BC3-9B43-49F1-9EB3-D0A498CB30BD}"/>
+              </a:ext>
+            </a:extLst>
+          </p:cNvPr>
+          <p:cNvPicPr>
+            <a:picLocks noChangeAspect="1"/>
+          </p:cNvPicPr>
+          <p:nvPr/>
+        </p:nvPicPr>
+        <p:blipFill>
+          <a:blip r:embed="rId4">
+            <a:extLst>
+              <a:ext uri="{28A0092B-C50C-407E-A947-70E740481C1C}">
+                <a14:useLocalDpi xmlns:a14="http://schemas.microsoft.com/office/drawing/2010/main" val="0"/>
+              </a:ext>
+            </a:extLst>
+          </a:blip>
+          <a:stretch>
+            <a:fillRect/>
+          </a:stretch>
+        </p:blipFill>
+        <p:spPr>
+          <a:xfrm>
+            <a:off x="4776067" y="3429000"/>
+            <a:ext cx="2302565" cy="2302565"/>
+          </a:xfrm>
+          <a:prstGeom prst="rect">
+            <a:avLst/>
+          </a:prstGeom>
+        </p:spPr>
+      </p:pic>
+      <p:pic>
+        <p:nvPicPr>
+          <p:cNvPr id="10" name="Рисунок 9">
+            <a:extLst>
+              <a:ext uri="{FF2B5EF4-FFF2-40B4-BE49-F238E27FC236}">
+                <a16:creationId xmlns:a16="http://schemas.microsoft.com/office/drawing/2014/main" id="{E70F278D-408F-4315-B0EA-928072E4A9C7}"/>
+              </a:ext>
+            </a:extLst>
+          </p:cNvPr>
+          <p:cNvPicPr>
+            <a:picLocks noChangeAspect="1"/>
+          </p:cNvPicPr>
+          <p:nvPr/>
+        </p:nvPicPr>
+        <p:blipFill>
+          <a:blip r:embed="rId5">
+            <a:extLst>
+              <a:ext uri="{28A0092B-C50C-407E-A947-70E740481C1C}">
+                <a14:useLocalDpi xmlns:a14="http://schemas.microsoft.com/office/drawing/2010/main" val="0"/>
+              </a:ext>
+            </a:extLst>
+          </a:blip>
+          <a:stretch>
+            <a:fillRect/>
+          </a:stretch>
+        </p:blipFill>
+        <p:spPr>
+          <a:xfrm>
+            <a:off x="8235410" y="2120803"/>
+            <a:ext cx="2575961" cy="2651539"/>
+          </a:xfrm>
+          <a:prstGeom prst="rect">
+            <a:avLst/>
+          </a:prstGeom>
+        </p:spPr>
+      </p:pic>
+    </p:spTree>
+    <p:extLst>
+      <p:ext uri="{BB962C8B-B14F-4D97-AF65-F5344CB8AC3E}">
+        <p14:creationId xmlns:p14="http://schemas.microsoft.com/office/powerpoint/2010/main" val="1606849359"/>
+      </p:ext>
+    </p:extLst>
+  </p:cSld>
+  <p:clrMapOvr>
+    <a:masterClrMapping/>
+  </p:clrMapOvr>
+  <mc:AlternateContent xmlns:mc="http://schemas.openxmlformats.org/markup-compatibility/2006" xmlns:p15="http://schemas.microsoft.com/office/powerpoint/2012/main">
+    <mc:Choice Requires="p15">
+      <p:transition xmlns:p14="http://schemas.microsoft.com/office/powerpoint/2010/main" spd="slow" p14:dur="2000">
+        <p15:prstTrans prst="drape"/>
+        <p:sndAc>
+          <p:stSnd>
+            <p:snd r:embed="rId2" name="arrow.wav"/>
+          </p:stSnd>
+        </p:sndAc>
+      </p:transition>
+    </mc:Choice>
+    <mc:Fallback xmlns="">
+      <p:transition spd="slow">
+        <p:fade/>
+        <p:sndAc>
+          <p:stSnd>
+            <p:snd r:embed="rId6" name="arrow.wav"/>
+          </p:stSnd>
+        </p:sndAc>
+      </p:transition>
+    </mc:Fallback>
+  </mc:AlternateContent>
+</p:sld>
+</file>
+
+<file path=ppt/slides/slide4.xml><?xml version="1.0" encoding="utf-8"?>
+<p:sld xmlns:a="http://schemas.openxmlformats.org/drawingml/2006/main" xmlns:r="http://schemas.openxmlformats.org/officeDocument/2006/relationships" xmlns:p="http://schemas.openxmlformats.org/presentationml/2006/main">
+  <p:cSld>
+    <p:spTree>
+      <p:nvGrpSpPr>
+        <p:cNvPr id="1" name=""/>
+        <p:cNvGrpSpPr/>
+        <p:nvPr/>
+      </p:nvGrpSpPr>
+      <p:grpSpPr>
+        <a:xfrm>
+          <a:off x="0" y="0"/>
+          <a:ext cx="0" cy="0"/>
+          <a:chOff x="0" y="0"/>
+          <a:chExt cx="0" cy="0"/>
+        </a:xfrm>
+      </p:grpSpPr>
+      <p:sp>
+        <p:nvSpPr>
+          <p:cNvPr id="5" name="Заголовок 1">
+            <a:extLst>
+              <a:ext uri="{FF2B5EF4-FFF2-40B4-BE49-F238E27FC236}">
+                <a16:creationId xmlns:a16="http://schemas.microsoft.com/office/drawing/2014/main" id="{BEF283AE-CF7B-4BB6-AF64-13B560335867}"/>
+              </a:ext>
+            </a:extLst>
+          </p:cNvPr>
+          <p:cNvSpPr>
+            <a:spLocks noGrp="1"/>
+          </p:cNvSpPr>
+          <p:nvPr>
+            <p:ph type="title"/>
+          </p:nvPr>
+        </p:nvSpPr>
+        <p:spPr>
+          <a:xfrm>
+            <a:off x="1656521" y="974725"/>
+            <a:ext cx="9395792" cy="1251641"/>
+          </a:xfrm>
+        </p:spPr>
+        <p:txBody>
+          <a:bodyPr>
+            <a:noAutofit/>
+          </a:bodyPr>
+          <a:lstStyle/>
+          <a:p>
+            <a:pPr algn="ctr"/>
+            <a:r>
+              <a:rPr lang="ru-RU" sz="5400" b="1" dirty="0">
+                <a:ln w="13462">
+                  <a:solidFill>
+                    <a:schemeClr val="bg1"/>
+                  </a:solidFill>
+                  <a:prstDash val="solid"/>
+                </a:ln>
+                <a:solidFill>
+                  <a:schemeClr val="accent1">
+                    <a:lumMod val="50000"/>
+                  </a:schemeClr>
+                </a:solidFill>
+                <a:effectLst>
+                  <a:outerShdw dist="38100" dir="2700000" algn="bl" rotWithShape="0">
+                    <a:schemeClr val="accent5"/>
+                  </a:outerShdw>
+                </a:effectLst>
+                <a:latin typeface="Segoe Print" panose="02000600000000000000" pitchFamily="2" charset="0"/>
+              </a:rPr>
+              <a:t>Логотип, слоган и название</a:t>
+            </a:r>
+          </a:p>
+        </p:txBody>
+      </p:sp>
+      <p:pic>
+        <p:nvPicPr>
+          <p:cNvPr id="7" name="Рисунок 6">
+            <a:extLst>
+              <a:ext uri="{FF2B5EF4-FFF2-40B4-BE49-F238E27FC236}">
+                <a16:creationId xmlns:a16="http://schemas.microsoft.com/office/drawing/2014/main" id="{E3FE7937-76D0-4A9F-B9AF-D25FE36039EE}"/>
+              </a:ext>
+            </a:extLst>
+          </p:cNvPr>
+          <p:cNvPicPr>
+            <a:picLocks noChangeAspect="1"/>
+          </p:cNvPicPr>
+          <p:nvPr/>
+        </p:nvPicPr>
+        <p:blipFill>
+          <a:blip r:embed="rId3">
+            <a:extLst>
+              <a:ext uri="{28A0092B-C50C-407E-A947-70E740481C1C}">
+                <a14:useLocalDpi xmlns:a14="http://schemas.microsoft.com/office/drawing/2010/main" val="0"/>
+              </a:ext>
+            </a:extLst>
+          </a:blip>
+          <a:stretch>
+            <a:fillRect/>
+          </a:stretch>
+        </p:blipFill>
+        <p:spPr>
+          <a:xfrm>
+            <a:off x="5037747" y="2557670"/>
+            <a:ext cx="2116506" cy="2178603"/>
+          </a:xfrm>
+          <a:prstGeom prst="rect">
+            <a:avLst/>
+          </a:prstGeom>
+        </p:spPr>
+      </p:pic>
+      <p:pic>
+        <p:nvPicPr>
+          <p:cNvPr id="11" name="Рисунок 10">
+            <a:extLst>
+              <a:ext uri="{FF2B5EF4-FFF2-40B4-BE49-F238E27FC236}">
+                <a16:creationId xmlns:a16="http://schemas.microsoft.com/office/drawing/2014/main" id="{9BEE36B5-BB2D-4E15-88AB-A18D7DB4F3EE}"/>
+              </a:ext>
+            </a:extLst>
+          </p:cNvPr>
+          <p:cNvPicPr>
+            <a:picLocks noChangeAspect="1"/>
+          </p:cNvPicPr>
+          <p:nvPr/>
+        </p:nvPicPr>
+        <p:blipFill>
+          <a:blip r:embed="rId4">
+            <a:extLst>
+              <a:ext uri="{28A0092B-C50C-407E-A947-70E740481C1C}">
+                <a14:useLocalDpi xmlns:a14="http://schemas.microsoft.com/office/drawing/2010/main" val="0"/>
+              </a:ext>
+            </a:extLst>
+          </a:blip>
+          <a:stretch>
+            <a:fillRect/>
+          </a:stretch>
+        </p:blipFill>
+        <p:spPr>
+          <a:xfrm>
+            <a:off x="703110" y="2557670"/>
+            <a:ext cx="2116505" cy="2178603"/>
+          </a:xfrm>
+          <a:prstGeom prst="rect">
+            <a:avLst/>
+          </a:prstGeom>
+        </p:spPr>
+      </p:pic>
+      <p:pic>
+        <p:nvPicPr>
+          <p:cNvPr id="14" name="Рисунок 13">
+            <a:extLst>
+              <a:ext uri="{FF2B5EF4-FFF2-40B4-BE49-F238E27FC236}">
+                <a16:creationId xmlns:a16="http://schemas.microsoft.com/office/drawing/2014/main" id="{894B0CE2-D566-4B30-8B11-7DA088A54A16}"/>
+              </a:ext>
+            </a:extLst>
+          </p:cNvPr>
+          <p:cNvPicPr>
+            <a:picLocks noChangeAspect="1"/>
+          </p:cNvPicPr>
+          <p:nvPr/>
+        </p:nvPicPr>
+        <p:blipFill>
+          <a:blip r:embed="rId5">
+            <a:extLst>
+              <a:ext uri="{28A0092B-C50C-407E-A947-70E740481C1C}">
+                <a14:useLocalDpi xmlns:a14="http://schemas.microsoft.com/office/drawing/2010/main" val="0"/>
+              </a:ext>
+            </a:extLst>
+          </a:blip>
+          <a:stretch>
+            <a:fillRect/>
+          </a:stretch>
+        </p:blipFill>
+        <p:spPr>
+          <a:xfrm>
+            <a:off x="9372385" y="2557670"/>
+            <a:ext cx="2116505" cy="2178603"/>
+          </a:xfrm>
+          <a:prstGeom prst="rect">
+            <a:avLst/>
+          </a:prstGeom>
+        </p:spPr>
+      </p:pic>
+      <p:sp>
+        <p:nvSpPr>
+          <p:cNvPr id="2" name="Прямоугольник 1">
+            <a:extLst>
+              <a:ext uri="{FF2B5EF4-FFF2-40B4-BE49-F238E27FC236}">
+                <a16:creationId xmlns:a16="http://schemas.microsoft.com/office/drawing/2014/main" id="{4ABBDBAE-DF4D-47DC-9B9D-A81525ED178E}"/>
+              </a:ext>
+            </a:extLst>
+          </p:cNvPr>
+          <p:cNvSpPr/>
+          <p:nvPr/>
+        </p:nvSpPr>
+        <p:spPr>
+          <a:xfrm>
+            <a:off x="3660819" y="3185306"/>
+            <a:ext cx="535723" cy="923330"/>
+          </a:xfrm>
+          <a:prstGeom prst="rect">
+            <a:avLst/>
+          </a:prstGeom>
+          <a:noFill/>
+        </p:spPr>
+        <p:txBody>
+          <a:bodyPr wrap="none" lIns="91440" tIns="45720" rIns="91440" bIns="45720">
+            <a:spAutoFit/>
+          </a:bodyPr>
+          <a:lstStyle/>
+          <a:p>
+            <a:pPr algn="ctr"/>
+            <a:r>
+              <a:rPr lang="ru-RU" sz="5400" b="1" cap="none" spc="50" dirty="0">
+                <a:ln w="9525" cmpd="sng">
+                  <a:solidFill>
+                    <a:schemeClr val="accent1"/>
+                  </a:solidFill>
+                  <a:prstDash val="solid"/>
+                </a:ln>
+                <a:solidFill>
+                  <a:srgbClr val="70AD47">
+                    <a:tint val="1000"/>
+                  </a:srgbClr>
+                </a:solidFill>
+                <a:effectLst>
+                  <a:glow rad="38100">
+                    <a:schemeClr val="accent1">
+                      <a:alpha val="40000"/>
+                    </a:schemeClr>
+                  </a:glow>
+                </a:effectLst>
+              </a:rPr>
+              <a:t>+</a:t>
+            </a:r>
+          </a:p>
+        </p:txBody>
+      </p:sp>
+      <p:sp>
+        <p:nvSpPr>
+          <p:cNvPr id="8" name="Прямоугольник 7">
+            <a:extLst>
+              <a:ext uri="{FF2B5EF4-FFF2-40B4-BE49-F238E27FC236}">
+                <a16:creationId xmlns:a16="http://schemas.microsoft.com/office/drawing/2014/main" id="{CFF92D21-751E-40B7-B2CE-E3FF87B3AC87}"/>
+              </a:ext>
+            </a:extLst>
+          </p:cNvPr>
+          <p:cNvSpPr/>
+          <p:nvPr/>
+        </p:nvSpPr>
+        <p:spPr>
+          <a:xfrm>
+            <a:off x="7995456" y="3185306"/>
+            <a:ext cx="535724" cy="923330"/>
+          </a:xfrm>
+          <a:prstGeom prst="rect">
+            <a:avLst/>
+          </a:prstGeom>
+          <a:noFill/>
+        </p:spPr>
+        <p:txBody>
+          <a:bodyPr wrap="none" lIns="91440" tIns="45720" rIns="91440" bIns="45720">
+            <a:spAutoFit/>
+          </a:bodyPr>
+          <a:lstStyle/>
+          <a:p>
+            <a:pPr algn="ctr"/>
+            <a:r>
+              <a:rPr lang="ru-RU" sz="5400" b="1" spc="50" dirty="0">
+                <a:ln w="9525" cmpd="sng">
+                  <a:solidFill>
+                    <a:schemeClr val="accent1"/>
+                  </a:solidFill>
+                  <a:prstDash val="solid"/>
+                </a:ln>
+                <a:solidFill>
+                  <a:srgbClr val="70AD47">
+                    <a:tint val="1000"/>
+                  </a:srgbClr>
+                </a:solidFill>
+                <a:effectLst>
+                  <a:glow rad="38100">
+                    <a:schemeClr val="accent1">
+                      <a:alpha val="40000"/>
+                    </a:schemeClr>
+                  </a:glow>
+                </a:effectLst>
+              </a:rPr>
+              <a:t>=</a:t>
+            </a:r>
+            <a:endParaRPr lang="ru-RU" sz="5400" b="1" cap="none" spc="50" dirty="0">
+              <a:ln w="9525" cmpd="sng">
+                <a:solidFill>
+                  <a:schemeClr val="accent1"/>
+                </a:solidFill>
+                <a:prstDash val="solid"/>
+              </a:ln>
+              <a:solidFill>
+                <a:srgbClr val="70AD47">
+                  <a:tint val="1000"/>
+                </a:srgbClr>
+              </a:solidFill>
+              <a:effectLst>
+                <a:glow rad="38100">
+                  <a:schemeClr val="accent1">
+                    <a:alpha val="40000"/>
+                  </a:schemeClr>
+                </a:glow>
+              </a:effectLst>
+            </a:endParaRPr>
+          </a:p>
+        </p:txBody>
+      </p:sp>
+    </p:spTree>
+    <p:extLst>
+      <p:ext uri="{BB962C8B-B14F-4D97-AF65-F5344CB8AC3E}">
+        <p14:creationId xmlns:p14="http://schemas.microsoft.com/office/powerpoint/2010/main" val="435225498"/>
+      </p:ext>
+    </p:extLst>
+  </p:cSld>
+  <p:clrMapOvr>
+    <a:masterClrMapping/>
+  </p:clrMapOvr>
+  <mc:AlternateContent xmlns:mc="http://schemas.openxmlformats.org/markup-compatibility/2006" xmlns:p15="http://schemas.microsoft.com/office/powerpoint/2012/main">
+    <mc:Choice Requires="p15">
+      <p:transition xmlns:p14="http://schemas.microsoft.com/office/powerpoint/2010/main" spd="slow" p14:dur="2000">
+        <p15:prstTrans prst="drape"/>
+        <p:sndAc>
+          <p:stSnd>
+            <p:snd r:embed="rId2" name="arrow.wav"/>
+          </p:stSnd>
+        </p:sndAc>
+      </p:transition>
+    </mc:Choice>
+    <mc:Fallback xmlns="">
+      <p:transition spd="slow">
+        <p:fade/>
+        <p:sndAc>
+          <p:stSnd>
+            <p:snd r:embed="rId6" name="arrow.wav"/>
+          </p:stSnd>
+        </p:sndAc>
+      </p:transition>
+    </mc:Fallback>
+  </mc:AlternateContent>
+</p:sld>
+</file>
+
+<file path=ppt/slides/slide5.xml><?xml version="1.0" encoding="utf-8"?>
+<p:sld xmlns:a="http://schemas.openxmlformats.org/drawingml/2006/main" xmlns:r="http://schemas.openxmlformats.org/officeDocument/2006/relationships" xmlns:p="http://schemas.openxmlformats.org/presentationml/2006/main">
+  <p:cSld>
+    <p:spTree>
+      <p:nvGrpSpPr>
+        <p:cNvPr id="1" name=""/>
+        <p:cNvGrpSpPr/>
+        <p:nvPr/>
+      </p:nvGrpSpPr>
+      <p:grpSpPr>
+        <a:xfrm>
+          <a:off x="0" y="0"/>
+          <a:ext cx="0" cy="0"/>
+          <a:chOff x="0" y="0"/>
+          <a:chExt cx="0" cy="0"/>
+        </a:xfrm>
+      </p:grpSpPr>
+      <p:sp>
+        <p:nvSpPr>
+          <p:cNvPr id="5" name="Заголовок 1">
+            <a:extLst>
+              <a:ext uri="{FF2B5EF4-FFF2-40B4-BE49-F238E27FC236}">
+                <a16:creationId xmlns:a16="http://schemas.microsoft.com/office/drawing/2014/main" id="{BEF283AE-CF7B-4BB6-AF64-13B560335867}"/>
+              </a:ext>
+            </a:extLst>
+          </p:cNvPr>
+          <p:cNvSpPr>
+            <a:spLocks noGrp="1"/>
+          </p:cNvSpPr>
+          <p:nvPr>
+            <p:ph type="title"/>
+          </p:nvPr>
+        </p:nvSpPr>
+        <p:spPr>
+          <a:xfrm>
+            <a:off x="1669774" y="2803179"/>
+            <a:ext cx="9395792" cy="1251641"/>
+          </a:xfrm>
+        </p:spPr>
+        <p:txBody>
+          <a:bodyPr>
+            <a:noAutofit/>
+          </a:bodyPr>
+          <a:lstStyle/>
+          <a:p>
+            <a:pPr algn="ctr"/>
+            <a:r>
+              <a:rPr lang="ru-RU" sz="5400" b="1" dirty="0">
+                <a:ln w="13462">
+                  <a:solidFill>
+                    <a:schemeClr val="bg1"/>
+                  </a:solidFill>
+                  <a:prstDash val="solid"/>
+                </a:ln>
+                <a:solidFill>
+                  <a:schemeClr val="accent1">
+                    <a:lumMod val="50000"/>
+                  </a:schemeClr>
+                </a:solidFill>
+                <a:effectLst>
+                  <a:outerShdw dist="38100" dir="2700000" algn="bl" rotWithShape="0">
+                    <a:schemeClr val="accent5"/>
+                  </a:outerShdw>
+                </a:effectLst>
+                <a:latin typeface="Segoe Print" panose="02000600000000000000" pitchFamily="2" charset="0"/>
+              </a:rPr>
+              <a:t>Работа сайта</a:t>
+            </a:r>
+          </a:p>
+        </p:txBody>
+      </p:sp>
+    </p:spTree>
+    <p:extLst>
+      <p:ext uri="{BB962C8B-B14F-4D97-AF65-F5344CB8AC3E}">
+        <p14:creationId xmlns:p14="http://schemas.microsoft.com/office/powerpoint/2010/main" val="2631879854"/>
+      </p:ext>
+    </p:extLst>
+  </p:cSld>
+  <p:clrMapOvr>
+    <a:masterClrMapping/>
+  </p:clrMapOvr>
+  <mc:AlternateContent xmlns:mc="http://schemas.openxmlformats.org/markup-compatibility/2006" xmlns:p15="http://schemas.microsoft.com/office/powerpoint/2012/main">
+    <mc:Choice Requires="p15">
+      <p:transition xmlns:p14="http://schemas.microsoft.com/office/powerpoint/2010/main" spd="slow" p14:dur="2000">
+        <p15:prstTrans prst="drape"/>
+        <p:sndAc>
+          <p:stSnd>
+            <p:snd r:embed="rId2" name="arrow.wav"/>
+          </p:stSnd>
+        </p:sndAc>
+      </p:transition>
+    </mc:Choice>
+    <mc:Fallback xmlns="">
+      <p:transition spd="slow">
+        <p:fade/>
+        <p:sndAc>
+          <p:stSnd>
+            <p:snd r:embed="rId3" name="arrow.wav"/>
+          </p:stSnd>
+        </p:sndAc>
+      </p:transition>
+    </mc:Fallback>
+  </mc:AlternateContent>
+</p:sld>
+</file>
+
+<file path=ppt/slides/slide6.xml><?xml version="1.0" encoding="utf-8"?>
+<p:sld xmlns:a="http://schemas.openxmlformats.org/drawingml/2006/main" xmlns:r="http://schemas.openxmlformats.org/officeDocument/2006/relationships" xmlns:p="http://schemas.openxmlformats.org/presentationml/2006/main">
+  <p:cSld>
+    <p:spTree>
+      <p:nvGrpSpPr>
+        <p:cNvPr id="1" name=""/>
+        <p:cNvGrpSpPr/>
+        <p:nvPr/>
+      </p:nvGrpSpPr>
+      <p:grpSpPr>
+        <a:xfrm>
+          <a:off x="0" y="0"/>
+          <a:ext cx="0" cy="0"/>
+          <a:chOff x="0" y="0"/>
+          <a:chExt cx="0" cy="0"/>
+        </a:xfrm>
+      </p:grpSpPr>
+      <p:sp>
+        <p:nvSpPr>
+          <p:cNvPr id="5" name="Заголовок 1">
+            <a:extLst>
+              <a:ext uri="{FF2B5EF4-FFF2-40B4-BE49-F238E27FC236}">
+                <a16:creationId xmlns:a16="http://schemas.microsoft.com/office/drawing/2014/main" id="{BEF283AE-CF7B-4BB6-AF64-13B560335867}"/>
+              </a:ext>
+            </a:extLst>
+          </p:cNvPr>
+          <p:cNvSpPr>
+            <a:spLocks noGrp="1"/>
+          </p:cNvSpPr>
+          <p:nvPr>
+            <p:ph type="title"/>
+          </p:nvPr>
+        </p:nvSpPr>
+        <p:spPr>
+          <a:xfrm>
+            <a:off x="1656521" y="974725"/>
+            <a:ext cx="9395792" cy="1251641"/>
+          </a:xfrm>
+        </p:spPr>
+        <p:txBody>
+          <a:bodyPr>
+            <a:noAutofit/>
+          </a:bodyPr>
+          <a:lstStyle/>
+          <a:p>
+            <a:pPr algn="ctr"/>
+            <a:r>
+              <a:rPr lang="ru-RU" sz="5400" b="1" dirty="0">
+                <a:ln w="13462">
+                  <a:solidFill>
+                    <a:schemeClr val="bg1"/>
+                  </a:solidFill>
+                  <a:prstDash val="solid"/>
+                </a:ln>
+                <a:solidFill>
+                  <a:schemeClr val="accent1">
+                    <a:lumMod val="50000"/>
+                  </a:schemeClr>
+                </a:solidFill>
+                <a:effectLst>
+                  <a:outerShdw dist="38100" dir="2700000" algn="bl" rotWithShape="0">
+                    <a:schemeClr val="accent5"/>
+                  </a:outerShdw>
+                </a:effectLst>
+                <a:latin typeface="Segoe Print" panose="02000600000000000000" pitchFamily="2" charset="0"/>
+              </a:rPr>
+              <a:t>Авторизация и регистрация</a:t>
+            </a:r>
+          </a:p>
+        </p:txBody>
+      </p:sp>
+      <p:pic>
+        <p:nvPicPr>
+          <p:cNvPr id="12" name="Рисунок 11">
+            <a:extLst>
+              <a:ext uri="{FF2B5EF4-FFF2-40B4-BE49-F238E27FC236}">
+                <a16:creationId xmlns:a16="http://schemas.microsoft.com/office/drawing/2014/main" id="{A84D43F2-5EFF-45C2-ABF4-C67B07333A55}"/>
+              </a:ext>
+            </a:extLst>
+          </p:cNvPr>
+          <p:cNvPicPr>
+            <a:picLocks noChangeAspect="1"/>
+          </p:cNvPicPr>
+          <p:nvPr/>
+        </p:nvPicPr>
+        <p:blipFill>
+          <a:blip r:embed="rId3">
+            <a:extLst>
+              <a:ext uri="{28A0092B-C50C-407E-A947-70E740481C1C}">
+                <a14:useLocalDpi xmlns:a14="http://schemas.microsoft.com/office/drawing/2010/main" val="0"/>
+              </a:ext>
+            </a:extLst>
+          </a:blip>
+          <a:stretch>
+            <a:fillRect/>
+          </a:stretch>
+        </p:blipFill>
+        <p:spPr>
+          <a:xfrm>
+            <a:off x="2309606" y="4913243"/>
+            <a:ext cx="2152650" cy="742950"/>
+          </a:xfrm>
+          <a:prstGeom prst="rect">
+            <a:avLst/>
+          </a:prstGeom>
+        </p:spPr>
+      </p:pic>
+      <p:pic>
+        <p:nvPicPr>
+          <p:cNvPr id="19" name="Рисунок 18">
+            <a:extLst>
+              <a:ext uri="{FF2B5EF4-FFF2-40B4-BE49-F238E27FC236}">
+                <a16:creationId xmlns:a16="http://schemas.microsoft.com/office/drawing/2014/main" id="{91B03628-D80E-433D-AE64-B6BD34E25A5A}"/>
+              </a:ext>
+            </a:extLst>
+          </p:cNvPr>
+          <p:cNvPicPr>
+            <a:picLocks noChangeAspect="1"/>
+          </p:cNvPicPr>
+          <p:nvPr/>
+        </p:nvPicPr>
+        <p:blipFill>
+          <a:blip r:embed="rId4"/>
+          <a:stretch>
+            <a:fillRect/>
+          </a:stretch>
+        </p:blipFill>
+        <p:spPr>
+          <a:xfrm>
+            <a:off x="7352825" y="4913243"/>
+            <a:ext cx="3290207" cy="742950"/>
+          </a:xfrm>
+          <a:prstGeom prst="rect">
+            <a:avLst/>
+          </a:prstGeom>
+        </p:spPr>
+      </p:pic>
+      <p:pic>
+        <p:nvPicPr>
+          <p:cNvPr id="21" name="Рисунок 20">
+            <a:extLst>
+              <a:ext uri="{FF2B5EF4-FFF2-40B4-BE49-F238E27FC236}">
+                <a16:creationId xmlns:a16="http://schemas.microsoft.com/office/drawing/2014/main" id="{84F37C34-8E97-48E9-837D-850BA82CB868}"/>
+              </a:ext>
+            </a:extLst>
+          </p:cNvPr>
+          <p:cNvPicPr>
+            <a:picLocks noChangeAspect="1"/>
+          </p:cNvPicPr>
+          <p:nvPr/>
+        </p:nvPicPr>
+        <p:blipFill>
+          <a:blip r:embed="rId5"/>
+          <a:stretch>
+            <a:fillRect/>
+          </a:stretch>
+        </p:blipFill>
+        <p:spPr>
+          <a:xfrm>
+            <a:off x="1656521" y="2807698"/>
+            <a:ext cx="9335803" cy="1524213"/>
+          </a:xfrm>
+          <a:prstGeom prst="rect">
+            <a:avLst/>
+          </a:prstGeom>
+        </p:spPr>
+      </p:pic>
+    </p:spTree>
+    <p:extLst>
+      <p:ext uri="{BB962C8B-B14F-4D97-AF65-F5344CB8AC3E}">
+        <p14:creationId xmlns:p14="http://schemas.microsoft.com/office/powerpoint/2010/main" val="1706647232"/>
+      </p:ext>
+    </p:extLst>
+  </p:cSld>
+  <p:clrMapOvr>
+    <a:masterClrMapping/>
+  </p:clrMapOvr>
+  <mc:AlternateContent xmlns:mc="http://schemas.openxmlformats.org/markup-compatibility/2006" xmlns:p15="http://schemas.microsoft.com/office/powerpoint/2012/main">
+    <mc:Choice Requires="p15">
+      <p:transition xmlns:p14="http://schemas.microsoft.com/office/powerpoint/2010/main" spd="slow" p14:dur="2000">
+        <p15:prstTrans prst="drape"/>
+        <p:sndAc>
+          <p:stSnd>
+            <p:snd r:embed="rId2" name="arrow.wav"/>
+          </p:stSnd>
+        </p:sndAc>
+      </p:transition>
+    </mc:Choice>
+    <mc:Fallback xmlns="">
+      <p:transition spd="slow">
+        <p:fade/>
+        <p:sndAc>
+          <p:stSnd>
+            <p:snd r:embed="rId6" name="arrow.wav"/>
+          </p:stSnd>
+        </p:sndAc>
+      </p:transition>
+    </mc:Fallback>
+  </mc:AlternateContent>
+</p:sld>
+</file>
+
+<file path=ppt/slides/slide7.xml><?xml version="1.0" encoding="utf-8"?>
+<p:sld xmlns:a="http://schemas.openxmlformats.org/drawingml/2006/main" xmlns:r="http://schemas.openxmlformats.org/officeDocument/2006/relationships" xmlns:p="http://schemas.openxmlformats.org/presentationml/2006/main">
+  <p:cSld>
+    <p:spTree>
+      <p:nvGrpSpPr>
+        <p:cNvPr id="1" name=""/>
+        <p:cNvGrpSpPr/>
+        <p:nvPr/>
+      </p:nvGrpSpPr>
+      <p:grpSpPr>
+        <a:xfrm>
+          <a:off x="0" y="0"/>
+          <a:ext cx="0" cy="0"/>
+          <a:chOff x="0" y="0"/>
+          <a:chExt cx="0" cy="0"/>
+        </a:xfrm>
+      </p:grpSpPr>
+      <p:sp>
+        <p:nvSpPr>
+          <p:cNvPr id="5" name="Заголовок 1">
+            <a:extLst>
+              <a:ext uri="{FF2B5EF4-FFF2-40B4-BE49-F238E27FC236}">
+                <a16:creationId xmlns:a16="http://schemas.microsoft.com/office/drawing/2014/main" id="{BEF283AE-CF7B-4BB6-AF64-13B560335867}"/>
+              </a:ext>
+            </a:extLst>
+          </p:cNvPr>
+          <p:cNvSpPr>
+            <a:spLocks noGrp="1"/>
+          </p:cNvSpPr>
+          <p:nvPr>
+            <p:ph type="title"/>
+          </p:nvPr>
+        </p:nvSpPr>
+        <p:spPr>
+          <a:xfrm>
+            <a:off x="1656521" y="974725"/>
+            <a:ext cx="9395792" cy="1251641"/>
+          </a:xfrm>
+        </p:spPr>
+        <p:txBody>
+          <a:bodyPr>
+            <a:noAutofit/>
+          </a:bodyPr>
+          <a:lstStyle/>
+          <a:p>
+            <a:pPr algn="ctr"/>
+            <a:r>
+              <a:rPr lang="ru-RU" sz="5400" b="1" dirty="0">
+                <a:ln w="13462">
+                  <a:solidFill>
+                    <a:schemeClr val="bg1"/>
+                  </a:solidFill>
+                  <a:prstDash val="solid"/>
+                </a:ln>
+                <a:solidFill>
+                  <a:schemeClr val="accent1">
+                    <a:lumMod val="50000"/>
+                  </a:schemeClr>
+                </a:solidFill>
+                <a:effectLst>
+                  <a:outerShdw dist="38100" dir="2700000" algn="bl" rotWithShape="0">
+                    <a:schemeClr val="accent5"/>
+                  </a:outerShdw>
+                </a:effectLst>
+                <a:latin typeface="Segoe Print" panose="02000600000000000000" pitchFamily="2" charset="0"/>
+              </a:rPr>
+              <a:t>Домашняя страница</a:t>
+            </a:r>
+          </a:p>
+        </p:txBody>
+      </p:sp>
+      <p:pic>
+        <p:nvPicPr>
+          <p:cNvPr id="10" name="Рисунок 9">
+            <a:extLst>
+              <a:ext uri="{FF2B5EF4-FFF2-40B4-BE49-F238E27FC236}">
+                <a16:creationId xmlns:a16="http://schemas.microsoft.com/office/drawing/2014/main" id="{65C06059-0C51-42CC-B563-AE7F20B9853A}"/>
+              </a:ext>
+            </a:extLst>
+          </p:cNvPr>
+          <p:cNvPicPr>
+            <a:picLocks noChangeAspect="1"/>
+          </p:cNvPicPr>
+          <p:nvPr/>
+        </p:nvPicPr>
+        <p:blipFill>
+          <a:blip r:embed="rId3"/>
+          <a:stretch>
+            <a:fillRect/>
+          </a:stretch>
+        </p:blipFill>
+        <p:spPr>
+          <a:xfrm>
+            <a:off x="1225826" y="3048668"/>
+            <a:ext cx="9740348" cy="2834607"/>
+          </a:xfrm>
+          <a:prstGeom prst="rect">
+            <a:avLst/>
+          </a:prstGeom>
+        </p:spPr>
+      </p:pic>
+    </p:spTree>
+    <p:extLst>
+      <p:ext uri="{BB962C8B-B14F-4D97-AF65-F5344CB8AC3E}">
+        <p14:creationId xmlns:p14="http://schemas.microsoft.com/office/powerpoint/2010/main" val="244554092"/>
+      </p:ext>
+    </p:extLst>
+  </p:cSld>
+  <p:clrMapOvr>
+    <a:masterClrMapping/>
+  </p:clrMapOvr>
+  <mc:AlternateContent xmlns:mc="http://schemas.openxmlformats.org/markup-compatibility/2006" xmlns:p15="http://schemas.microsoft.com/office/powerpoint/2012/main">
+    <mc:Choice Requires="p15">
+      <p:transition xmlns:p14="http://schemas.microsoft.com/office/powerpoint/2010/main" spd="slow" p14:dur="2000">
+        <p15:prstTrans prst="drape"/>
+        <p:sndAc>
+          <p:stSnd>
+            <p:snd r:embed="rId2" name="arrow.wav"/>
+          </p:stSnd>
+        </p:sndAc>
+      </p:transition>
+    </mc:Choice>
+    <mc:Fallback xmlns="">
+      <p:transition spd="slow">
+        <p:fade/>
+        <p:sndAc>
+          <p:stSnd>
+            <p:snd r:embed="rId4" name="arrow.wav"/>
+          </p:stSnd>
+        </p:sndAc>
+      </p:transition>
+    </mc:Fallback>
+  </mc:AlternateContent>
+</p:sld>
+</file>
+
+<file path=ppt/slides/slide8.xml><?xml version="1.0" encoding="utf-8"?>
+<p:sld xmlns:a="http://schemas.openxmlformats.org/drawingml/2006/main" xmlns:r="http://schemas.openxmlformats.org/officeDocument/2006/relationships" xmlns:p="http://schemas.openxmlformats.org/presentationml/2006/main">
+  <p:cSld>
+    <p:spTree>
+      <p:nvGrpSpPr>
+        <p:cNvPr id="1" name=""/>
+        <p:cNvGrpSpPr/>
+        <p:nvPr/>
+      </p:nvGrpSpPr>
+      <p:grpSpPr>
+        <a:xfrm>
+          <a:off x="0" y="0"/>
+          <a:ext cx="0" cy="0"/>
+          <a:chOff x="0" y="0"/>
+          <a:chExt cx="0" cy="0"/>
+        </a:xfrm>
+      </p:grpSpPr>
+      <p:sp>
+        <p:nvSpPr>
+          <p:cNvPr id="5" name="Заголовок 1">
+            <a:extLst>
+              <a:ext uri="{FF2B5EF4-FFF2-40B4-BE49-F238E27FC236}">
+                <a16:creationId xmlns:a16="http://schemas.microsoft.com/office/drawing/2014/main" id="{BEF283AE-CF7B-4BB6-AF64-13B560335867}"/>
+              </a:ext>
+            </a:extLst>
+          </p:cNvPr>
+          <p:cNvSpPr>
+            <a:spLocks noGrp="1"/>
+          </p:cNvSpPr>
+          <p:nvPr>
+            <p:ph type="title"/>
+          </p:nvPr>
+        </p:nvSpPr>
+        <p:spPr>
+          <a:xfrm>
+            <a:off x="1656521" y="974725"/>
+            <a:ext cx="9395792" cy="1251641"/>
+          </a:xfrm>
+        </p:spPr>
+        <p:txBody>
+          <a:bodyPr>
+            <a:noAutofit/>
+          </a:bodyPr>
+          <a:lstStyle/>
+          <a:p>
+            <a:pPr algn="ctr"/>
+            <a:r>
+              <a:rPr lang="ru-RU" sz="5400" b="1" dirty="0">
+                <a:ln w="13462">
+                  <a:solidFill>
+                    <a:schemeClr val="bg1"/>
+                  </a:solidFill>
+                  <a:prstDash val="solid"/>
+                </a:ln>
+                <a:solidFill>
+                  <a:schemeClr val="accent1">
+                    <a:lumMod val="50000"/>
+                  </a:schemeClr>
+                </a:solidFill>
+                <a:effectLst>
+                  <a:outerShdw dist="38100" dir="2700000" algn="bl" rotWithShape="0">
+                    <a:schemeClr val="accent5"/>
+                  </a:outerShdw>
+                </a:effectLst>
+                <a:latin typeface="Segoe Print" panose="02000600000000000000" pitchFamily="2" charset="0"/>
+              </a:rPr>
+              <a:t>Главная страница</a:t>
+            </a:r>
+          </a:p>
+        </p:txBody>
+      </p:sp>
+      <p:pic>
+        <p:nvPicPr>
+          <p:cNvPr id="3" name="Рисунок 2">
+            <a:extLst>
+              <a:ext uri="{FF2B5EF4-FFF2-40B4-BE49-F238E27FC236}">
+                <a16:creationId xmlns:a16="http://schemas.microsoft.com/office/drawing/2014/main" id="{4E1D2AD3-D408-479B-A150-425F8EFAD2D5}"/>
+              </a:ext>
+            </a:extLst>
+          </p:cNvPr>
+          <p:cNvPicPr>
+            <a:picLocks noChangeAspect="1"/>
+          </p:cNvPicPr>
+          <p:nvPr/>
+        </p:nvPicPr>
+        <p:blipFill>
+          <a:blip r:embed="rId3"/>
+          <a:stretch>
+            <a:fillRect/>
+          </a:stretch>
+        </p:blipFill>
+        <p:spPr>
+          <a:xfrm>
+            <a:off x="5629948" y="2058306"/>
+            <a:ext cx="5912696" cy="2741387"/>
+          </a:xfrm>
+          <a:prstGeom prst="rect">
+            <a:avLst/>
+          </a:prstGeom>
+        </p:spPr>
+      </p:pic>
+      <p:pic>
+        <p:nvPicPr>
+          <p:cNvPr id="6" name="Рисунок 5">
+            <a:extLst>
+              <a:ext uri="{FF2B5EF4-FFF2-40B4-BE49-F238E27FC236}">
+                <a16:creationId xmlns:a16="http://schemas.microsoft.com/office/drawing/2014/main" id="{32D5A038-4A58-409B-9910-6CB1C8DA26FD}"/>
+              </a:ext>
+            </a:extLst>
+          </p:cNvPr>
+          <p:cNvPicPr>
+            <a:picLocks noChangeAspect="1"/>
+          </p:cNvPicPr>
+          <p:nvPr/>
+        </p:nvPicPr>
+        <p:blipFill>
+          <a:blip r:embed="rId4"/>
+          <a:stretch>
+            <a:fillRect/>
+          </a:stretch>
+        </p:blipFill>
+        <p:spPr>
+          <a:xfrm>
+            <a:off x="1431506" y="3826564"/>
+            <a:ext cx="5472877" cy="2595925"/>
+          </a:xfrm>
+          <a:prstGeom prst="rect">
+            <a:avLst/>
+          </a:prstGeom>
+        </p:spPr>
+      </p:pic>
+    </p:spTree>
+    <p:extLst>
+      <p:ext uri="{BB962C8B-B14F-4D97-AF65-F5344CB8AC3E}">
+        <p14:creationId xmlns:p14="http://schemas.microsoft.com/office/powerpoint/2010/main" val="1520484713"/>
+      </p:ext>
+    </p:extLst>
+  </p:cSld>
+  <p:clrMapOvr>
+    <a:masterClrMapping/>
+  </p:clrMapOvr>
+  <mc:AlternateContent xmlns:mc="http://schemas.openxmlformats.org/markup-compatibility/2006" xmlns:p15="http://schemas.microsoft.com/office/powerpoint/2012/main">
+    <mc:Choice Requires="p15">
+      <p:transition xmlns:p14="http://schemas.microsoft.com/office/powerpoint/2010/main" spd="slow" p14:dur="2000">
+        <p15:prstTrans prst="drape"/>
+        <p:sndAc>
+          <p:stSnd>
+            <p:snd r:embed="rId2" name="arrow.wav"/>
+          </p:stSnd>
+        </p:sndAc>
+      </p:transition>
+    </mc:Choice>
+    <mc:Fallback xmlns="">
+      <p:transition spd="slow">
+        <p:fade/>
+        <p:sndAc>
+          <p:stSnd>
+            <p:snd r:embed="rId5" name="arrow.wav"/>
+          </p:stSnd>
+        </p:sndAc>
+      </p:transition>
+    </mc:Fallback>
+  </mc:AlternateContent>
+</p:sld>
+</file>
+
+<file path=ppt/slides/slide9.xml><?xml version="1.0" encoding="utf-8"?>
+<p:sld xmlns:a="http://schemas.openxmlformats.org/drawingml/2006/main" xmlns:r="http://schemas.openxmlformats.org/officeDocument/2006/relationships" xmlns:p="http://schemas.openxmlformats.org/presentationml/2006/main">
+  <p:cSld>
+    <p:spTree>
+      <p:nvGrpSpPr>
+        <p:cNvPr id="1" name=""/>
+        <p:cNvGrpSpPr/>
+        <p:nvPr/>
+      </p:nvGrpSpPr>
+      <p:grpSpPr>
+        <a:xfrm>
+          <a:off x="0" y="0"/>
+          <a:ext cx="0" cy="0"/>
+          <a:chOff x="0" y="0"/>
+          <a:chExt cx="0" cy="0"/>
+        </a:xfrm>
+      </p:grpSpPr>
+      <p:sp>
+        <p:nvSpPr>
+          <p:cNvPr id="5" name="Заголовок 1">
+            <a:extLst>
+              <a:ext uri="{FF2B5EF4-FFF2-40B4-BE49-F238E27FC236}">
+                <a16:creationId xmlns:a16="http://schemas.microsoft.com/office/drawing/2014/main" id="{BEF283AE-CF7B-4BB6-AF64-13B560335867}"/>
+              </a:ext>
+            </a:extLst>
+          </p:cNvPr>
+          <p:cNvSpPr>
+            <a:spLocks noGrp="1"/>
+          </p:cNvSpPr>
+          <p:nvPr>
+            <p:ph type="title"/>
+          </p:nvPr>
+        </p:nvSpPr>
+        <p:spPr>
+          <a:xfrm>
+            <a:off x="1656521" y="974725"/>
+            <a:ext cx="9395792" cy="1251641"/>
+          </a:xfrm>
+        </p:spPr>
+        <p:txBody>
+          <a:bodyPr>
+            <a:noAutofit/>
+          </a:bodyPr>
+          <a:lstStyle/>
+          <a:p>
+            <a:pPr algn="ctr"/>
+            <a:r>
+              <a:rPr lang="ru-RU" sz="5400" b="1" dirty="0">
+                <a:ln w="13462">
+                  <a:solidFill>
+                    <a:schemeClr val="bg1"/>
+                  </a:solidFill>
+                  <a:prstDash val="solid"/>
+                </a:ln>
+                <a:solidFill>
+                  <a:schemeClr val="accent1">
+                    <a:lumMod val="50000"/>
+                  </a:schemeClr>
+                </a:solidFill>
+                <a:effectLst>
+                  <a:outerShdw dist="38100" dir="2700000" algn="bl" rotWithShape="0">
+                    <a:schemeClr val="accent5"/>
+                  </a:outerShdw>
+                </a:effectLst>
+                <a:latin typeface="Segoe Print" panose="02000600000000000000" pitchFamily="2" charset="0"/>
+              </a:rPr>
+              <a:t>Форма для вопросов</a:t>
+            </a:r>
+          </a:p>
+        </p:txBody>
+      </p:sp>
+      <p:pic>
+        <p:nvPicPr>
+          <p:cNvPr id="4098" name="Picture 2">
+            <a:extLst>
+              <a:ext uri="{FF2B5EF4-FFF2-40B4-BE49-F238E27FC236}">
+                <a16:creationId xmlns:a16="http://schemas.microsoft.com/office/drawing/2014/main" id="{C9973EC6-F270-41D2-BF50-9218F49DED9D}"/>
+              </a:ext>
+            </a:extLst>
+          </p:cNvPr>
+          <p:cNvPicPr>
+            <a:picLocks noChangeAspect="1" noChangeArrowheads="1"/>
+          </p:cNvPicPr>
+          <p:nvPr/>
+        </p:nvPicPr>
+        <p:blipFill rotWithShape="1">
+          <a:blip r:embed="rId3">
+            <a:extLst>
+              <a:ext uri="{28A0092B-C50C-407E-A947-70E740481C1C}">
+                <a14:useLocalDpi xmlns:a14="http://schemas.microsoft.com/office/drawing/2010/main" val="0"/>
+              </a:ext>
+            </a:extLst>
+          </a:blip>
+          <a:srcRect l="-1194" t="39420" r="1194" b="-2898"/>
+          <a:stretch/>
+        </p:blipFill>
+        <p:spPr bwMode="auto">
+          <a:xfrm>
+            <a:off x="689114" y="2073110"/>
+            <a:ext cx="8739485" cy="3810165"/>
+          </a:xfrm>
+          <a:prstGeom prst="rect">
+            <a:avLst/>
+          </a:prstGeom>
+          <a:noFill/>
+          <a:extLst>
+            <a:ext uri="{909E8E84-426E-40DD-AFC4-6F175D3DCCD1}">
+              <a14:hiddenFill xmlns:a14="http://schemas.microsoft.com/office/drawing/2010/main">
+                <a:solidFill>
+                  <a:srgbClr val="FFFFFF"/>
+                </a:solidFill>
+              </a14:hiddenFill>
+            </a:ext>
+          </a:extLst>
+        </p:spPr>
+      </p:pic>
+      <p:pic>
+        <p:nvPicPr>
+          <p:cNvPr id="4" name="Рисунок 3">
+            <a:extLst>
+              <a:ext uri="{FF2B5EF4-FFF2-40B4-BE49-F238E27FC236}">
+                <a16:creationId xmlns:a16="http://schemas.microsoft.com/office/drawing/2014/main" id="{A3A79629-FA3F-45B2-A69A-4D89990322E0}"/>
+              </a:ext>
+            </a:extLst>
+          </p:cNvPr>
+          <p:cNvPicPr>
+            <a:picLocks noChangeAspect="1"/>
+          </p:cNvPicPr>
+          <p:nvPr/>
+        </p:nvPicPr>
+        <p:blipFill>
+          <a:blip r:embed="rId4"/>
+          <a:stretch>
+            <a:fillRect/>
+          </a:stretch>
+        </p:blipFill>
+        <p:spPr>
+          <a:xfrm>
+            <a:off x="8575828" y="5261674"/>
+            <a:ext cx="2753109" cy="866896"/>
+          </a:xfrm>
+          <a:prstGeom prst="rect">
+            <a:avLst/>
+          </a:prstGeom>
+        </p:spPr>
+      </p:pic>
+    </p:spTree>
+    <p:extLst>
+      <p:ext uri="{BB962C8B-B14F-4D97-AF65-F5344CB8AC3E}">
+        <p14:creationId xmlns:p14="http://schemas.microsoft.com/office/powerpoint/2010/main" val="2456698801"/>
       </p:ext>
     </p:extLst>
   </p:cSld>

--- a/Презентация.pptx
+++ b/Презентация.pptx
@@ -4273,6 +4273,36 @@
           </a:prstGeom>
         </p:spPr>
       </p:pic>
+      <p:pic>
+        <p:nvPicPr>
+          <p:cNvPr id="10" name="Рисунок 9">
+            <a:extLst>
+              <a:ext uri="{FF2B5EF4-FFF2-40B4-BE49-F238E27FC236}">
+                <a16:creationId xmlns:a16="http://schemas.microsoft.com/office/drawing/2014/main" id="{BBE54287-466C-4A6D-85AD-67ECB3EA184F}"/>
+              </a:ext>
+            </a:extLst>
+          </p:cNvPr>
+          <p:cNvPicPr>
+            <a:picLocks noChangeAspect="1"/>
+          </p:cNvPicPr>
+          <p:nvPr/>
+        </p:nvPicPr>
+        <p:blipFill>
+          <a:blip r:embed="rId5"/>
+          <a:stretch>
+            <a:fillRect/>
+          </a:stretch>
+        </p:blipFill>
+        <p:spPr>
+          <a:xfrm>
+            <a:off x="7419338" y="2236305"/>
+            <a:ext cx="3086531" cy="981212"/>
+          </a:xfrm>
+          <a:prstGeom prst="rect">
+            <a:avLst/>
+          </a:prstGeom>
+        </p:spPr>
+      </p:pic>
     </p:spTree>
     <p:extLst>
       <p:ext uri="{BB962C8B-B14F-4D97-AF65-F5344CB8AC3E}">
@@ -4299,7 +4329,7 @@
         <p:fade/>
         <p:sndAc>
           <p:stSnd>
-            <p:snd r:embed="rId5" name="arrow.wav"/>
+            <p:snd r:embed="rId6" name="arrow.wav"/>
           </p:stSnd>
         </p:sndAc>
       </p:transition>
@@ -4713,6 +4743,53 @@
           </a:p>
         </p:txBody>
       </p:sp>
+      <p:pic>
+        <p:nvPicPr>
+          <p:cNvPr id="6146" name="Picture 2" descr="150 анимаций для презентаций в Powerpoint">
+            <a:extLst>
+              <a:ext uri="{FF2B5EF4-FFF2-40B4-BE49-F238E27FC236}">
+                <a16:creationId xmlns:a16="http://schemas.microsoft.com/office/drawing/2014/main" id="{EE88CFE6-ECDC-4A21-BB84-6BF3A5C6FA32}"/>
+              </a:ext>
+            </a:extLst>
+          </p:cNvPr>
+          <p:cNvPicPr>
+            <a:picLocks noChangeAspect="1" noChangeArrowheads="1" noCrop="1"/>
+          </p:cNvPicPr>
+          <p:nvPr/>
+        </p:nvPicPr>
+        <p:blipFill>
+          <a:blip r:embed="rId2">
+            <a:extLst>
+              <a:ext uri="{28A0092B-C50C-407E-A947-70E740481C1C}">
+                <a14:useLocalDpi xmlns:a14="http://schemas.microsoft.com/office/drawing/2010/main" val="0"/>
+              </a:ext>
+            </a:extLst>
+          </a:blip>
+          <a:srcRect/>
+          <a:stretch>
+            <a:fillRect/>
+          </a:stretch>
+        </p:blipFill>
+        <p:spPr bwMode="auto">
+          <a:xfrm>
+            <a:off x="4986544" y="3790950"/>
+            <a:ext cx="1970847" cy="2189830"/>
+          </a:xfrm>
+          <a:prstGeom prst="rect">
+            <a:avLst/>
+          </a:prstGeom>
+          <a:noFill/>
+          <a:extLst>
+            <a:ext uri="{909E8E84-426E-40DD-AFC4-6F175D3DCCD1}">
+              <a14:hiddenFill xmlns:a14="http://schemas.microsoft.com/office/drawing/2010/main">
+                <a:solidFill>
+                  <a:srgbClr val="FFFFFF"/>
+                </a:solidFill>
+              </a14:hiddenFill>
+            </a:ext>
+          </a:extLst>
+        </p:spPr>
+      </p:pic>
     </p:spTree>
     <p:extLst>
       <p:ext uri="{BB962C8B-B14F-4D97-AF65-F5344CB8AC3E}">
